--- a/Noms.pptx
+++ b/Noms.pptx
@@ -17,6 +17,7 @@
     <p:sldId id="265" r:id="rId11"/>
     <p:sldId id="266" r:id="rId12"/>
     <p:sldId id="267" r:id="rId13"/>
+    <p:sldId id="268" r:id="rId14"/>
   </p:sldIdLst>
   <p:sldSz cx="12192000" cy="6858000"/>
   <p:notesSz cx="6858000" cy="9144000"/>
@@ -5903,6 +5904,18 @@
   <p:clrMapOvr>
     <a:masterClrMapping/>
   </p:clrMapOvr>
+  <mc:AlternateContent xmlns:mc="http://schemas.openxmlformats.org/markup-compatibility/2006">
+    <mc:Choice xmlns:p14="http://schemas.microsoft.com/office/powerpoint/2010/main" Requires="p14">
+      <p:transition spd="slow" p14:dur="2000">
+        <p14:reveal/>
+      </p:transition>
+    </mc:Choice>
+    <mc:Fallback>
+      <p:transition spd="slow">
+        <p:fade/>
+      </p:transition>
+    </mc:Fallback>
+  </mc:AlternateContent>
   <p:timing>
     <p:tnLst>
       <p:par>
@@ -6009,6 +6022,18 @@
   <p:clrMapOvr>
     <a:masterClrMapping/>
   </p:clrMapOvr>
+  <mc:AlternateContent xmlns:mc="http://schemas.openxmlformats.org/markup-compatibility/2006">
+    <mc:Choice xmlns:p14="http://schemas.microsoft.com/office/powerpoint/2010/main" Requires="p14">
+      <p:transition spd="med" p14:dur="700">
+        <p:fade/>
+      </p:transition>
+    </mc:Choice>
+    <mc:Fallback>
+      <p:transition spd="med">
+        <p:fade/>
+      </p:transition>
+    </mc:Fallback>
+  </mc:AlternateContent>
   <p:timing>
     <p:tnLst>
       <p:par>
@@ -6059,25 +6084,34 @@
           </a:p>
         </p:txBody>
       </p:sp>
-      <p:sp>
-        <p:nvSpPr>
-          <p:cNvPr id="6" name="Content Placeholder 5"/>
-          <p:cNvSpPr>
-            <a:spLocks noGrp="1"/>
-          </p:cNvSpPr>
+      <p:pic>
+        <p:nvPicPr>
+          <p:cNvPr id="8" name="Content Placeholder 7"/>
+          <p:cNvPicPr>
+            <a:picLocks noGrp="1" noChangeAspect="1"/>
+          </p:cNvPicPr>
           <p:nvPr>
             <p:ph idx="1"/>
           </p:nvPr>
-        </p:nvSpPr>
-        <p:spPr/>
-        <p:txBody>
-          <a:bodyPr/>
-          <a:lstStyle/>
-          <a:p>
-            <a:endParaRPr lang="en-US"/>
-          </a:p>
-        </p:txBody>
-      </p:sp>
+        </p:nvPicPr>
+        <p:blipFill rotWithShape="1">
+          <a:blip r:embed="rId2">
+            <a:extLst>
+              <a:ext uri="{28A0092B-C50C-407E-A947-70E740481C1C}">
+                <a14:useLocalDpi xmlns:a14="http://schemas.microsoft.com/office/drawing/2010/main" val="0"/>
+              </a:ext>
+            </a:extLst>
+          </a:blip>
+          <a:srcRect l="1033" r="1254"/>
+          <a:stretch/>
+        </p:blipFill>
+        <p:spPr>
+          <a:xfrm>
+            <a:off x="6490446" y="446088"/>
+            <a:ext cx="2976283" cy="5414962"/>
+          </a:xfrm>
+        </p:spPr>
+      </p:pic>
       <p:sp>
         <p:nvSpPr>
           <p:cNvPr id="7" name="Text Placeholder 6"/>
@@ -6101,7 +6135,7 @@
             </a:pPr>
             <a:r>
               <a:rPr lang="en-US" sz="1800" dirty="0" smtClean="0"/>
-              <a:t>1</a:t>
+              <a:t>Philosophy</a:t>
             </a:r>
           </a:p>
           <a:p>
@@ -6111,7 +6145,7 @@
             </a:pPr>
             <a:r>
               <a:rPr lang="en-US" sz="1800" dirty="0" smtClean="0"/>
-              <a:t>2</a:t>
+              <a:t>Profiles</a:t>
             </a:r>
           </a:p>
           <a:p>
@@ -6121,7 +6155,7 @@
             </a:pPr>
             <a:r>
               <a:rPr lang="en-US" sz="1800" dirty="0" smtClean="0"/>
-              <a:t>3</a:t>
+              <a:t>Preferences</a:t>
             </a:r>
           </a:p>
           <a:p>
@@ -6131,15 +6165,8 @@
             </a:pPr>
             <a:r>
               <a:rPr lang="en-US" sz="1800" dirty="0" smtClean="0"/>
-              <a:t>4</a:t>
-            </a:r>
-          </a:p>
-          <a:p>
-            <a:pPr marL="342900" indent="-342900">
-              <a:buFont typeface="Courier New" panose="02070309020205020404" pitchFamily="49" charset="0"/>
-              <a:buChar char="o"/>
-            </a:pPr>
-            <a:endParaRPr lang="en-US" sz="1800" dirty="0"/>
+              <a:t>Restaurant suggestions</a:t>
+            </a:r>
           </a:p>
         </p:txBody>
       </p:sp>
@@ -6153,6 +6180,18 @@
   <p:clrMapOvr>
     <a:masterClrMapping/>
   </p:clrMapOvr>
+  <mc:AlternateContent xmlns:mc="http://schemas.openxmlformats.org/markup-compatibility/2006">
+    <mc:Choice xmlns:p14="http://schemas.microsoft.com/office/powerpoint/2010/main" Requires="p14">
+      <p:transition spd="med" p14:dur="700">
+        <p:fade/>
+      </p:transition>
+    </mc:Choice>
+    <mc:Fallback>
+      <p:transition spd="med">
+        <p:fade/>
+      </p:transition>
+    </mc:Fallback>
+  </mc:AlternateContent>
   <p:timing>
     <p:tnLst>
       <p:par>
@@ -6182,7 +6221,7 @@
       </p:grpSpPr>
       <p:sp>
         <p:nvSpPr>
-          <p:cNvPr id="2" name="Title 1"/>
+          <p:cNvPr id="5" name="Title 4"/>
           <p:cNvSpPr>
             <a:spLocks noGrp="1"/>
           </p:cNvSpPr>
@@ -6195,32 +6234,17 @@
           <a:bodyPr/>
           <a:lstStyle/>
           <a:p>
-            <a:endParaRPr lang="en-US"/>
-          </a:p>
-        </p:txBody>
-      </p:sp>
-      <p:sp>
-        <p:nvSpPr>
-          <p:cNvPr id="3" name="Text Placeholder 2"/>
-          <p:cNvSpPr>
-            <a:spLocks noGrp="1"/>
-          </p:cNvSpPr>
-          <p:nvPr>
-            <p:ph type="body" idx="1"/>
-          </p:nvPr>
-        </p:nvSpPr>
-        <p:spPr/>
-        <p:txBody>
-          <a:bodyPr/>
-          <a:lstStyle/>
-          <a:p>
-            <a:endParaRPr lang="en-US"/>
-          </a:p>
-        </p:txBody>
-      </p:sp>
-      <p:sp>
-        <p:nvSpPr>
-          <p:cNvPr id="4" name="Text Placeholder 3"/>
+            <a:r>
+              <a:rPr lang="en-US" dirty="0" smtClean="0"/>
+              <a:t>Nom?</a:t>
+            </a:r>
+            <a:endParaRPr lang="en-US" dirty="0"/>
+          </a:p>
+        </p:txBody>
+      </p:sp>
+      <p:sp>
+        <p:nvSpPr>
+          <p:cNvPr id="6" name="Text Placeholder 5"/>
           <p:cNvSpPr>
             <a:spLocks noGrp="1"/>
           </p:cNvSpPr>
@@ -6247,6 +6271,141 @@
   <p:clrMapOvr>
     <a:masterClrMapping/>
   </p:clrMapOvr>
+  <mc:AlternateContent xmlns:mc="http://schemas.openxmlformats.org/markup-compatibility/2006">
+    <mc:Choice xmlns:p14="http://schemas.microsoft.com/office/powerpoint/2010/main" Requires="p14">
+      <p:transition spd="med" p14:dur="700">
+        <p:fade/>
+      </p:transition>
+    </mc:Choice>
+    <mc:Fallback>
+      <p:transition spd="med">
+        <p:fade/>
+      </p:transition>
+    </mc:Fallback>
+  </mc:AlternateContent>
+  <p:timing>
+    <p:tnLst>
+      <p:par>
+        <p:cTn id="1" dur="indefinite" restart="never" nodeType="tmRoot"/>
+      </p:par>
+    </p:tnLst>
+  </p:timing>
+</p:sld>
+</file>
+
+<file path=ppt/slides/slide13.xml><?xml version="1.0" encoding="utf-8"?>
+<p:sld xmlns:a="http://schemas.openxmlformats.org/drawingml/2006/main" xmlns:r="http://schemas.openxmlformats.org/officeDocument/2006/relationships" xmlns:p="http://schemas.openxmlformats.org/presentationml/2006/main">
+  <p:cSld>
+    <p:spTree>
+      <p:nvGrpSpPr>
+        <p:cNvPr id="1" name=""/>
+        <p:cNvGrpSpPr/>
+        <p:nvPr/>
+      </p:nvGrpSpPr>
+      <p:grpSpPr>
+        <a:xfrm>
+          <a:off x="0" y="0"/>
+          <a:ext cx="0" cy="0"/>
+          <a:chOff x="0" y="0"/>
+          <a:chExt cx="0" cy="0"/>
+        </a:xfrm>
+      </p:grpSpPr>
+      <p:sp>
+        <p:nvSpPr>
+          <p:cNvPr id="5" name="TextBox 4"/>
+          <p:cNvSpPr txBox="1"/>
+          <p:nvPr/>
+        </p:nvSpPr>
+        <p:spPr>
+          <a:xfrm>
+            <a:off x="5818095" y="2079812"/>
+            <a:ext cx="1233030" cy="2246769"/>
+          </a:xfrm>
+          <a:prstGeom prst="rect">
+            <a:avLst/>
+          </a:prstGeom>
+          <a:noFill/>
+        </p:spPr>
+        <p:txBody>
+          <a:bodyPr wrap="none" rtlCol="0">
+            <a:spAutoFit/>
+          </a:bodyPr>
+          <a:lstStyle/>
+          <a:p>
+            <a:r>
+              <a:rPr lang="en-US" sz="14000" b="1" dirty="0" smtClean="0">
+                <a:solidFill>
+                  <a:srgbClr val="01CA89"/>
+                </a:solidFill>
+                <a:latin typeface="Interstate" panose="02000506050000020004" pitchFamily="2" charset="0"/>
+              </a:rPr>
+              <a:t>?</a:t>
+            </a:r>
+            <a:endParaRPr lang="en-US" sz="14000" b="1" dirty="0">
+              <a:solidFill>
+                <a:srgbClr val="01CA89"/>
+              </a:solidFill>
+              <a:latin typeface="Interstate" panose="02000506050000020004" pitchFamily="2" charset="0"/>
+            </a:endParaRPr>
+          </a:p>
+        </p:txBody>
+      </p:sp>
+      <p:sp>
+        <p:nvSpPr>
+          <p:cNvPr id="6" name="TextBox 5"/>
+          <p:cNvSpPr txBox="1"/>
+          <p:nvPr/>
+        </p:nvSpPr>
+        <p:spPr>
+          <a:xfrm>
+            <a:off x="5559947" y="4231562"/>
+            <a:ext cx="1749325" cy="461665"/>
+          </a:xfrm>
+          <a:prstGeom prst="rect">
+            <a:avLst/>
+          </a:prstGeom>
+          <a:noFill/>
+        </p:spPr>
+        <p:txBody>
+          <a:bodyPr wrap="none" rtlCol="0">
+            <a:spAutoFit/>
+          </a:bodyPr>
+          <a:lstStyle/>
+          <a:p>
+            <a:r>
+              <a:rPr lang="en-US" sz="2400" b="1" dirty="0" smtClean="0">
+                <a:latin typeface="Gotham" panose="02000604030000020004" pitchFamily="50" charset="0"/>
+              </a:rPr>
+              <a:t>Questions</a:t>
+            </a:r>
+            <a:endParaRPr lang="en-US" sz="2400" b="1" dirty="0">
+              <a:latin typeface="Gotham" panose="02000604030000020004" pitchFamily="50" charset="0"/>
+            </a:endParaRPr>
+          </a:p>
+        </p:txBody>
+      </p:sp>
+    </p:spTree>
+    <p:extLst>
+      <p:ext uri="{BB962C8B-B14F-4D97-AF65-F5344CB8AC3E}">
+        <p14:creationId xmlns:p14="http://schemas.microsoft.com/office/powerpoint/2010/main" val="4202409371"/>
+      </p:ext>
+    </p:extLst>
+  </p:cSld>
+  <p:clrMapOvr>
+    <a:masterClrMapping/>
+  </p:clrMapOvr>
+  <mc:AlternateContent xmlns:mc="http://schemas.openxmlformats.org/markup-compatibility/2006">
+    <mc:Choice xmlns:p14="http://schemas.microsoft.com/office/powerpoint/2010/main" Requires="p14">
+      <p:transition spd="med" p14:dur="700">
+        <p:fade/>
+      </p:transition>
+    </mc:Choice>
+    <mc:Fallback>
+      <p:transition spd="med">
+        <p:fade/>
+      </p:transition>
+    </mc:Fallback>
+  </mc:AlternateContent>
   <p:timing>
     <p:tnLst>
       <p:par>
@@ -6318,6 +6477,18 @@
   <p:clrMapOvr>
     <a:masterClrMapping/>
   </p:clrMapOvr>
+  <mc:AlternateContent xmlns:mc="http://schemas.openxmlformats.org/markup-compatibility/2006">
+    <mc:Choice xmlns:p14="http://schemas.microsoft.com/office/powerpoint/2010/main" Requires="p14">
+      <p:transition spd="med" p14:dur="700">
+        <p:fade/>
+      </p:transition>
+    </mc:Choice>
+    <mc:Fallback>
+      <p:transition spd="med">
+        <p:fade/>
+      </p:transition>
+    </mc:Fallback>
+  </mc:AlternateContent>
   <p:timing>
     <p:tnLst>
       <p:par>
@@ -6619,6 +6790,18 @@
   <p:clrMapOvr>
     <a:masterClrMapping/>
   </p:clrMapOvr>
+  <mc:AlternateContent xmlns:mc="http://schemas.openxmlformats.org/markup-compatibility/2006">
+    <mc:Choice xmlns:p14="http://schemas.microsoft.com/office/powerpoint/2010/main" Requires="p14">
+      <p:transition spd="med" p14:dur="700">
+        <p:fade/>
+      </p:transition>
+    </mc:Choice>
+    <mc:Fallback>
+      <p:transition spd="med">
+        <p:fade/>
+      </p:transition>
+    </mc:Fallback>
+  </mc:AlternateContent>
   <p:timing>
     <p:tnLst>
       <p:par>
@@ -7141,6 +7324,18 @@
   <p:clrMapOvr>
     <a:masterClrMapping/>
   </p:clrMapOvr>
+  <mc:AlternateContent xmlns:mc="http://schemas.openxmlformats.org/markup-compatibility/2006">
+    <mc:Choice xmlns:p14="http://schemas.microsoft.com/office/powerpoint/2010/main" Requires="p14">
+      <p:transition spd="med" p14:dur="700">
+        <p:fade/>
+      </p:transition>
+    </mc:Choice>
+    <mc:Fallback>
+      <p:transition spd="med">
+        <p:fade/>
+      </p:transition>
+    </mc:Fallback>
+  </mc:AlternateContent>
   <p:timing>
     <p:tnLst>
       <p:par>
@@ -7153,6 +7348,9 @@
                     <p:cTn id="3" fill="hold">
                       <p:stCondLst>
                         <p:cond delay="indefinite"/>
+                        <p:cond evt="onBegin" delay="0">
+                          <p:tn val="2"/>
+                        </p:cond>
                       </p:stCondLst>
                       <p:childTnLst>
                         <p:par>
@@ -7162,7 +7360,7 @@
                             </p:stCondLst>
                             <p:childTnLst>
                               <p:par>
-                                <p:cTn id="5" presetID="10" presetClass="entr" presetSubtype="0" fill="hold" grpId="0" nodeType="clickEffect">
+                                <p:cTn id="5" presetID="10" presetClass="entr" presetSubtype="0" fill="hold" grpId="0" nodeType="afterEffect">
                                   <p:stCondLst>
                                     <p:cond delay="0"/>
                                   </p:stCondLst>
@@ -7187,7 +7385,7 @@
                                     </p:set>
                                     <p:animEffect transition="in" filter="fade">
                                       <p:cBhvr>
-                                        <p:cTn id="7" dur="2000"/>
+                                        <p:cTn id="7" dur="1000"/>
                                         <p:tgtEl>
                                           <p:spTgt spid="3"/>
                                         </p:tgtEl>
@@ -7202,18 +7400,18 @@
                         <p:par>
                           <p:cTn id="8" fill="hold">
                             <p:stCondLst>
-                              <p:cond delay="2000"/>
+                              <p:cond delay="1000"/>
                             </p:stCondLst>
                             <p:childTnLst>
                               <p:par>
                                 <p:cTn id="9" presetID="10" presetClass="exit" presetSubtype="0" fill="hold" grpId="1" nodeType="afterEffect">
                                   <p:stCondLst>
-                                    <p:cond delay="0"/>
+                                    <p:cond delay="500"/>
                                   </p:stCondLst>
                                   <p:childTnLst>
                                     <p:animEffect transition="out" filter="fade">
                                       <p:cBhvr>
-                                        <p:cTn id="10" dur="1000"/>
+                                        <p:cTn id="10" dur="500"/>
                                         <p:tgtEl>
                                           <p:spTgt spid="3"/>
                                         </p:tgtEl>
@@ -7223,7 +7421,7 @@
                                       <p:cBhvr>
                                         <p:cTn id="11" dur="1" fill="hold">
                                           <p:stCondLst>
-                                            <p:cond delay="999"/>
+                                            <p:cond delay="499"/>
                                           </p:stCondLst>
                                         </p:cTn>
                                         <p:tgtEl>
@@ -7578,12 +7776,422 @@
   <p:clrMapOvr>
     <a:masterClrMapping/>
   </p:clrMapOvr>
+  <mc:AlternateContent xmlns:mc="http://schemas.openxmlformats.org/markup-compatibility/2006">
+    <mc:Choice xmlns:p14="http://schemas.microsoft.com/office/powerpoint/2010/main" Requires="p14">
+      <p:transition spd="med" p14:dur="700">
+        <p:fade/>
+      </p:transition>
+    </mc:Choice>
+    <mc:Fallback>
+      <p:transition spd="med">
+        <p:fade/>
+      </p:transition>
+    </mc:Fallback>
+  </mc:AlternateContent>
   <p:timing>
     <p:tnLst>
       <p:par>
-        <p:cTn id="1" dur="indefinite" restart="never" nodeType="tmRoot"/>
+        <p:cTn id="1" dur="indefinite" restart="never" nodeType="tmRoot">
+          <p:childTnLst>
+            <p:seq concurrent="1" nextAc="seek">
+              <p:cTn id="2" dur="indefinite" nodeType="mainSeq">
+                <p:childTnLst>
+                  <p:par>
+                    <p:cTn id="3" fill="hold">
+                      <p:stCondLst>
+                        <p:cond delay="indefinite"/>
+                      </p:stCondLst>
+                      <p:childTnLst>
+                        <p:par>
+                          <p:cTn id="4" fill="hold">
+                            <p:stCondLst>
+                              <p:cond delay="0"/>
+                            </p:stCondLst>
+                            <p:childTnLst>
+                              <p:par>
+                                <p:cTn id="5" presetID="42" presetClass="entr" presetSubtype="0" fill="hold" grpId="0" nodeType="clickEffect">
+                                  <p:stCondLst>
+                                    <p:cond delay="0"/>
+                                  </p:stCondLst>
+                                  <p:childTnLst>
+                                    <p:set>
+                                      <p:cBhvr>
+                                        <p:cTn id="6" dur="1" fill="hold">
+                                          <p:stCondLst>
+                                            <p:cond delay="0"/>
+                                          </p:stCondLst>
+                                        </p:cTn>
+                                        <p:tgtEl>
+                                          <p:spTgt spid="2"/>
+                                        </p:tgtEl>
+                                        <p:attrNameLst>
+                                          <p:attrName>style.visibility</p:attrName>
+                                        </p:attrNameLst>
+                                      </p:cBhvr>
+                                      <p:to>
+                                        <p:strVal val="visible"/>
+                                      </p:to>
+                                    </p:set>
+                                    <p:animEffect transition="in" filter="fade">
+                                      <p:cBhvr>
+                                        <p:cTn id="7" dur="500"/>
+                                        <p:tgtEl>
+                                          <p:spTgt spid="2"/>
+                                        </p:tgtEl>
+                                      </p:cBhvr>
+                                    </p:animEffect>
+                                    <p:anim calcmode="lin" valueType="num">
+                                      <p:cBhvr>
+                                        <p:cTn id="8" dur="500" fill="hold"/>
+                                        <p:tgtEl>
+                                          <p:spTgt spid="2"/>
+                                        </p:tgtEl>
+                                        <p:attrNameLst>
+                                          <p:attrName>ppt_x</p:attrName>
+                                        </p:attrNameLst>
+                                      </p:cBhvr>
+                                      <p:tavLst>
+                                        <p:tav tm="0">
+                                          <p:val>
+                                            <p:strVal val="#ppt_x"/>
+                                          </p:val>
+                                        </p:tav>
+                                        <p:tav tm="100000">
+                                          <p:val>
+                                            <p:strVal val="#ppt_x"/>
+                                          </p:val>
+                                        </p:tav>
+                                      </p:tavLst>
+                                    </p:anim>
+                                    <p:anim calcmode="lin" valueType="num">
+                                      <p:cBhvr>
+                                        <p:cTn id="9" dur="500" fill="hold"/>
+                                        <p:tgtEl>
+                                          <p:spTgt spid="2"/>
+                                        </p:tgtEl>
+                                        <p:attrNameLst>
+                                          <p:attrName>ppt_y</p:attrName>
+                                        </p:attrNameLst>
+                                      </p:cBhvr>
+                                      <p:tavLst>
+                                        <p:tav tm="0">
+                                          <p:val>
+                                            <p:strVal val="#ppt_y+.1"/>
+                                          </p:val>
+                                        </p:tav>
+                                        <p:tav tm="100000">
+                                          <p:val>
+                                            <p:strVal val="#ppt_y"/>
+                                          </p:val>
+                                        </p:tav>
+                                      </p:tavLst>
+                                    </p:anim>
+                                  </p:childTnLst>
+                                </p:cTn>
+                              </p:par>
+                            </p:childTnLst>
+                          </p:cTn>
+                        </p:par>
+                        <p:par>
+                          <p:cTn id="10" fill="hold">
+                            <p:stCondLst>
+                              <p:cond delay="500"/>
+                            </p:stCondLst>
+                            <p:childTnLst>
+                              <p:par>
+                                <p:cTn id="11" presetID="42" presetClass="entr" presetSubtype="0" fill="hold" grpId="0" nodeType="afterEffect">
+                                  <p:stCondLst>
+                                    <p:cond delay="0"/>
+                                  </p:stCondLst>
+                                  <p:childTnLst>
+                                    <p:set>
+                                      <p:cBhvr>
+                                        <p:cTn id="12" dur="1" fill="hold">
+                                          <p:stCondLst>
+                                            <p:cond delay="0"/>
+                                          </p:stCondLst>
+                                        </p:cTn>
+                                        <p:tgtEl>
+                                          <p:spTgt spid="4"/>
+                                        </p:tgtEl>
+                                        <p:attrNameLst>
+                                          <p:attrName>style.visibility</p:attrName>
+                                        </p:attrNameLst>
+                                      </p:cBhvr>
+                                      <p:to>
+                                        <p:strVal val="visible"/>
+                                      </p:to>
+                                    </p:set>
+                                    <p:animEffect transition="in" filter="fade">
+                                      <p:cBhvr>
+                                        <p:cTn id="13" dur="500"/>
+                                        <p:tgtEl>
+                                          <p:spTgt spid="4"/>
+                                        </p:tgtEl>
+                                      </p:cBhvr>
+                                    </p:animEffect>
+                                    <p:anim calcmode="lin" valueType="num">
+                                      <p:cBhvr>
+                                        <p:cTn id="14" dur="500" fill="hold"/>
+                                        <p:tgtEl>
+                                          <p:spTgt spid="4"/>
+                                        </p:tgtEl>
+                                        <p:attrNameLst>
+                                          <p:attrName>ppt_x</p:attrName>
+                                        </p:attrNameLst>
+                                      </p:cBhvr>
+                                      <p:tavLst>
+                                        <p:tav tm="0">
+                                          <p:val>
+                                            <p:strVal val="#ppt_x"/>
+                                          </p:val>
+                                        </p:tav>
+                                        <p:tav tm="100000">
+                                          <p:val>
+                                            <p:strVal val="#ppt_x"/>
+                                          </p:val>
+                                        </p:tav>
+                                      </p:tavLst>
+                                    </p:anim>
+                                    <p:anim calcmode="lin" valueType="num">
+                                      <p:cBhvr>
+                                        <p:cTn id="15" dur="500" fill="hold"/>
+                                        <p:tgtEl>
+                                          <p:spTgt spid="4"/>
+                                        </p:tgtEl>
+                                        <p:attrNameLst>
+                                          <p:attrName>ppt_y</p:attrName>
+                                        </p:attrNameLst>
+                                      </p:cBhvr>
+                                      <p:tavLst>
+                                        <p:tav tm="0">
+                                          <p:val>
+                                            <p:strVal val="#ppt_y+.1"/>
+                                          </p:val>
+                                        </p:tav>
+                                        <p:tav tm="100000">
+                                          <p:val>
+                                            <p:strVal val="#ppt_y"/>
+                                          </p:val>
+                                        </p:tav>
+                                      </p:tavLst>
+                                    </p:anim>
+                                  </p:childTnLst>
+                                </p:cTn>
+                              </p:par>
+                            </p:childTnLst>
+                          </p:cTn>
+                        </p:par>
+                        <p:par>
+                          <p:cTn id="16" fill="hold">
+                            <p:stCondLst>
+                              <p:cond delay="1000"/>
+                            </p:stCondLst>
+                            <p:childTnLst>
+                              <p:par>
+                                <p:cTn id="17" presetID="42" presetClass="entr" presetSubtype="0" fill="hold" grpId="0" nodeType="afterEffect">
+                                  <p:stCondLst>
+                                    <p:cond delay="0"/>
+                                  </p:stCondLst>
+                                  <p:childTnLst>
+                                    <p:set>
+                                      <p:cBhvr>
+                                        <p:cTn id="18" dur="1" fill="hold">
+                                          <p:stCondLst>
+                                            <p:cond delay="0"/>
+                                          </p:stCondLst>
+                                        </p:cTn>
+                                        <p:tgtEl>
+                                          <p:spTgt spid="3"/>
+                                        </p:tgtEl>
+                                        <p:attrNameLst>
+                                          <p:attrName>style.visibility</p:attrName>
+                                        </p:attrNameLst>
+                                      </p:cBhvr>
+                                      <p:to>
+                                        <p:strVal val="visible"/>
+                                      </p:to>
+                                    </p:set>
+                                    <p:animEffect transition="in" filter="fade">
+                                      <p:cBhvr>
+                                        <p:cTn id="19" dur="500"/>
+                                        <p:tgtEl>
+                                          <p:spTgt spid="3"/>
+                                        </p:tgtEl>
+                                      </p:cBhvr>
+                                    </p:animEffect>
+                                    <p:anim calcmode="lin" valueType="num">
+                                      <p:cBhvr>
+                                        <p:cTn id="20" dur="500" fill="hold"/>
+                                        <p:tgtEl>
+                                          <p:spTgt spid="3"/>
+                                        </p:tgtEl>
+                                        <p:attrNameLst>
+                                          <p:attrName>ppt_x</p:attrName>
+                                        </p:attrNameLst>
+                                      </p:cBhvr>
+                                      <p:tavLst>
+                                        <p:tav tm="0">
+                                          <p:val>
+                                            <p:strVal val="#ppt_x"/>
+                                          </p:val>
+                                        </p:tav>
+                                        <p:tav tm="100000">
+                                          <p:val>
+                                            <p:strVal val="#ppt_x"/>
+                                          </p:val>
+                                        </p:tav>
+                                      </p:tavLst>
+                                    </p:anim>
+                                    <p:anim calcmode="lin" valueType="num">
+                                      <p:cBhvr>
+                                        <p:cTn id="21" dur="500" fill="hold"/>
+                                        <p:tgtEl>
+                                          <p:spTgt spid="3"/>
+                                        </p:tgtEl>
+                                        <p:attrNameLst>
+                                          <p:attrName>ppt_y</p:attrName>
+                                        </p:attrNameLst>
+                                      </p:cBhvr>
+                                      <p:tavLst>
+                                        <p:tav tm="0">
+                                          <p:val>
+                                            <p:strVal val="#ppt_y+.1"/>
+                                          </p:val>
+                                        </p:tav>
+                                        <p:tav tm="100000">
+                                          <p:val>
+                                            <p:strVal val="#ppt_y"/>
+                                          </p:val>
+                                        </p:tav>
+                                      </p:tavLst>
+                                    </p:anim>
+                                  </p:childTnLst>
+                                </p:cTn>
+                              </p:par>
+                            </p:childTnLst>
+                          </p:cTn>
+                        </p:par>
+                        <p:par>
+                          <p:cTn id="22" fill="hold">
+                            <p:stCondLst>
+                              <p:cond delay="1500"/>
+                            </p:stCondLst>
+                            <p:childTnLst>
+                              <p:par>
+                                <p:cTn id="23" presetID="42" presetClass="entr" presetSubtype="0" fill="hold" grpId="0" nodeType="afterEffect">
+                                  <p:stCondLst>
+                                    <p:cond delay="0"/>
+                                  </p:stCondLst>
+                                  <p:childTnLst>
+                                    <p:set>
+                                      <p:cBhvr>
+                                        <p:cTn id="24" dur="1" fill="hold">
+                                          <p:stCondLst>
+                                            <p:cond delay="0"/>
+                                          </p:stCondLst>
+                                        </p:cTn>
+                                        <p:tgtEl>
+                                          <p:spTgt spid="5"/>
+                                        </p:tgtEl>
+                                        <p:attrNameLst>
+                                          <p:attrName>style.visibility</p:attrName>
+                                        </p:attrNameLst>
+                                      </p:cBhvr>
+                                      <p:to>
+                                        <p:strVal val="visible"/>
+                                      </p:to>
+                                    </p:set>
+                                    <p:animEffect transition="in" filter="fade">
+                                      <p:cBhvr>
+                                        <p:cTn id="25" dur="500"/>
+                                        <p:tgtEl>
+                                          <p:spTgt spid="5"/>
+                                        </p:tgtEl>
+                                      </p:cBhvr>
+                                    </p:animEffect>
+                                    <p:anim calcmode="lin" valueType="num">
+                                      <p:cBhvr>
+                                        <p:cTn id="26" dur="500" fill="hold"/>
+                                        <p:tgtEl>
+                                          <p:spTgt spid="5"/>
+                                        </p:tgtEl>
+                                        <p:attrNameLst>
+                                          <p:attrName>ppt_x</p:attrName>
+                                        </p:attrNameLst>
+                                      </p:cBhvr>
+                                      <p:tavLst>
+                                        <p:tav tm="0">
+                                          <p:val>
+                                            <p:strVal val="#ppt_x"/>
+                                          </p:val>
+                                        </p:tav>
+                                        <p:tav tm="100000">
+                                          <p:val>
+                                            <p:strVal val="#ppt_x"/>
+                                          </p:val>
+                                        </p:tav>
+                                      </p:tavLst>
+                                    </p:anim>
+                                    <p:anim calcmode="lin" valueType="num">
+                                      <p:cBhvr>
+                                        <p:cTn id="27" dur="500" fill="hold"/>
+                                        <p:tgtEl>
+                                          <p:spTgt spid="5"/>
+                                        </p:tgtEl>
+                                        <p:attrNameLst>
+                                          <p:attrName>ppt_y</p:attrName>
+                                        </p:attrNameLst>
+                                      </p:cBhvr>
+                                      <p:tavLst>
+                                        <p:tav tm="0">
+                                          <p:val>
+                                            <p:strVal val="#ppt_y+.1"/>
+                                          </p:val>
+                                        </p:tav>
+                                        <p:tav tm="100000">
+                                          <p:val>
+                                            <p:strVal val="#ppt_y"/>
+                                          </p:val>
+                                        </p:tav>
+                                      </p:tavLst>
+                                    </p:anim>
+                                  </p:childTnLst>
+                                </p:cTn>
+                              </p:par>
+                            </p:childTnLst>
+                          </p:cTn>
+                        </p:par>
+                      </p:childTnLst>
+                    </p:cTn>
+                  </p:par>
+                </p:childTnLst>
+              </p:cTn>
+              <p:prevCondLst>
+                <p:cond evt="onPrev" delay="0">
+                  <p:tgtEl>
+                    <p:sldTgt/>
+                  </p:tgtEl>
+                </p:cond>
+              </p:prevCondLst>
+              <p:nextCondLst>
+                <p:cond evt="onNext" delay="0">
+                  <p:tgtEl>
+                    <p:sldTgt/>
+                  </p:tgtEl>
+                </p:cond>
+              </p:nextCondLst>
+            </p:seq>
+          </p:childTnLst>
+        </p:cTn>
       </p:par>
     </p:tnLst>
+    <p:bldLst>
+      <p:bldP spid="2" grpId="0" animBg="1"/>
+      <p:bldP spid="3" grpId="0" animBg="1"/>
+      <p:bldP spid="4" grpId="0" animBg="1"/>
+      <p:bldP spid="5" grpId="0" animBg="1"/>
+    </p:bldLst>
   </p:timing>
 </p:sld>
 </file>
@@ -7613,8 +8221,8 @@
         </p:nvSpPr>
         <p:spPr>
           <a:xfrm>
-            <a:off x="3784117" y="3244334"/>
-            <a:ext cx="4623766" cy="584775"/>
+            <a:off x="4188105" y="3244334"/>
+            <a:ext cx="3815788" cy="584775"/>
           </a:xfrm>
           <a:prstGeom prst="rect">
             <a:avLst/>
@@ -7631,19 +8239,71 @@
               <a:rPr lang="en-US" sz="2400" b="1" dirty="0">
                 <a:latin typeface="Gotham" panose="02000604030000020004" pitchFamily="50" charset="0"/>
               </a:rPr>
-              <a:t>And all hell </a:t>
+              <a:t>A</a:t>
+            </a:r>
+            <a:r>
+              <a:rPr lang="en-US" sz="2400" b="1" dirty="0" smtClean="0">
+                <a:latin typeface="Gotham" panose="02000604030000020004" pitchFamily="50" charset="0"/>
+              </a:rPr>
+              <a:t>ll </a:t>
+            </a:r>
+            <a:r>
+              <a:rPr lang="en-US" sz="3200" b="1" dirty="0">
+                <a:solidFill>
+                  <a:schemeClr val="accent3">
+                    <a:lumMod val="60000"/>
+                    <a:lumOff val="40000"/>
+                  </a:schemeClr>
+                </a:solidFill>
+                <a:latin typeface="Gotham" panose="02000604030000020004" pitchFamily="50" charset="0"/>
+              </a:rPr>
+              <a:t>hell</a:t>
             </a:r>
             <a:r>
               <a:rPr lang="en-US" sz="3200" b="1" dirty="0">
                 <a:latin typeface="Gotham" panose="02000604030000020004" pitchFamily="50" charset="0"/>
               </a:rPr>
-              <a:t>breaks</a:t>
+              <a:t> </a:t>
             </a:r>
             <a:r>
               <a:rPr lang="en-US" sz="2400" b="1" dirty="0">
                 <a:latin typeface="Gotham" panose="02000604030000020004" pitchFamily="50" charset="0"/>
               </a:rPr>
-              <a:t> loose…</a:t>
+              <a:t>breaks loose…</a:t>
+            </a:r>
+            <a:endParaRPr lang="en-US" sz="2400" b="1" dirty="0">
+              <a:latin typeface="Gotham" panose="02000604030000020004" pitchFamily="50" charset="0"/>
+            </a:endParaRPr>
+          </a:p>
+        </p:txBody>
+      </p:sp>
+      <p:sp>
+        <p:nvSpPr>
+          <p:cNvPr id="4" name="Rectangle 3"/>
+          <p:cNvSpPr/>
+          <p:nvPr/>
+        </p:nvSpPr>
+        <p:spPr>
+          <a:xfrm>
+            <a:off x="3044625" y="2782669"/>
+            <a:ext cx="4202241" cy="461665"/>
+          </a:xfrm>
+          <a:prstGeom prst="rect">
+            <a:avLst/>
+          </a:prstGeom>
+        </p:spPr>
+        <p:txBody>
+          <a:bodyPr wrap="none">
+            <a:spAutoFit/>
+          </a:bodyPr>
+          <a:lstStyle/>
+          <a:p>
+            <a:pPr algn="ctr"/>
+            <a:r>
+              <a:rPr lang="en-US" sz="2400" b="1" dirty="0" smtClean="0">
+                <a:latin typeface="Gotham" panose="02000604030000020004" pitchFamily="50" charset="0"/>
+              </a:rPr>
+              <a:t>You know how this ends…</a:t>
             </a:r>
             <a:endParaRPr lang="en-US" sz="2400" b="1" dirty="0">
               <a:latin typeface="Gotham" panose="02000604030000020004" pitchFamily="50" charset="0"/>
@@ -7661,12 +8321,240 @@
   <p:clrMapOvr>
     <a:masterClrMapping/>
   </p:clrMapOvr>
+  <mc:AlternateContent xmlns:mc="http://schemas.openxmlformats.org/markup-compatibility/2006">
+    <mc:Choice xmlns:p14="http://schemas.microsoft.com/office/powerpoint/2010/main" Requires="p14">
+      <p:transition spd="med" p14:dur="700">
+        <p:fade/>
+      </p:transition>
+    </mc:Choice>
+    <mc:Fallback>
+      <p:transition spd="med">
+        <p:fade/>
+      </p:transition>
+    </mc:Fallback>
+  </mc:AlternateContent>
   <p:timing>
     <p:tnLst>
       <p:par>
-        <p:cTn id="1" dur="indefinite" restart="never" nodeType="tmRoot"/>
+        <p:cTn id="1" dur="indefinite" restart="never" nodeType="tmRoot">
+          <p:childTnLst>
+            <p:seq concurrent="1" nextAc="seek">
+              <p:cTn id="2" dur="indefinite" nodeType="mainSeq">
+                <p:childTnLst>
+                  <p:par>
+                    <p:cTn id="3" fill="hold">
+                      <p:stCondLst>
+                        <p:cond delay="indefinite"/>
+                      </p:stCondLst>
+                      <p:childTnLst>
+                        <p:par>
+                          <p:cTn id="4" fill="hold">
+                            <p:stCondLst>
+                              <p:cond delay="0"/>
+                            </p:stCondLst>
+                            <p:childTnLst>
+                              <p:par>
+                                <p:cTn id="5" presetID="47" presetClass="entr" presetSubtype="0" fill="hold" grpId="0" nodeType="clickEffect">
+                                  <p:stCondLst>
+                                    <p:cond delay="0"/>
+                                  </p:stCondLst>
+                                  <p:childTnLst>
+                                    <p:set>
+                                      <p:cBhvr>
+                                        <p:cTn id="6" dur="1" fill="hold">
+                                          <p:stCondLst>
+                                            <p:cond delay="0"/>
+                                          </p:stCondLst>
+                                        </p:cTn>
+                                        <p:tgtEl>
+                                          <p:spTgt spid="4"/>
+                                        </p:tgtEl>
+                                        <p:attrNameLst>
+                                          <p:attrName>style.visibility</p:attrName>
+                                        </p:attrNameLst>
+                                      </p:cBhvr>
+                                      <p:to>
+                                        <p:strVal val="visible"/>
+                                      </p:to>
+                                    </p:set>
+                                    <p:animEffect transition="in" filter="fade">
+                                      <p:cBhvr>
+                                        <p:cTn id="7" dur="500"/>
+                                        <p:tgtEl>
+                                          <p:spTgt spid="4"/>
+                                        </p:tgtEl>
+                                      </p:cBhvr>
+                                    </p:animEffect>
+                                    <p:anim calcmode="lin" valueType="num">
+                                      <p:cBhvr>
+                                        <p:cTn id="8" dur="500" fill="hold"/>
+                                        <p:tgtEl>
+                                          <p:spTgt spid="4"/>
+                                        </p:tgtEl>
+                                        <p:attrNameLst>
+                                          <p:attrName>ppt_x</p:attrName>
+                                        </p:attrNameLst>
+                                      </p:cBhvr>
+                                      <p:tavLst>
+                                        <p:tav tm="0">
+                                          <p:val>
+                                            <p:strVal val="#ppt_x"/>
+                                          </p:val>
+                                        </p:tav>
+                                        <p:tav tm="100000">
+                                          <p:val>
+                                            <p:strVal val="#ppt_x"/>
+                                          </p:val>
+                                        </p:tav>
+                                      </p:tavLst>
+                                    </p:anim>
+                                    <p:anim calcmode="lin" valueType="num">
+                                      <p:cBhvr>
+                                        <p:cTn id="9" dur="500" fill="hold"/>
+                                        <p:tgtEl>
+                                          <p:spTgt spid="4"/>
+                                        </p:tgtEl>
+                                        <p:attrNameLst>
+                                          <p:attrName>ppt_y</p:attrName>
+                                        </p:attrNameLst>
+                                      </p:cBhvr>
+                                      <p:tavLst>
+                                        <p:tav tm="0">
+                                          <p:val>
+                                            <p:strVal val="#ppt_y-.1"/>
+                                          </p:val>
+                                        </p:tav>
+                                        <p:tav tm="100000">
+                                          <p:val>
+                                            <p:strVal val="#ppt_y"/>
+                                          </p:val>
+                                        </p:tav>
+                                      </p:tavLst>
+                                    </p:anim>
+                                  </p:childTnLst>
+                                </p:cTn>
+                              </p:par>
+                            </p:childTnLst>
+                          </p:cTn>
+                        </p:par>
+                        <p:par>
+                          <p:cTn id="10" fill="hold">
+                            <p:stCondLst>
+                              <p:cond delay="500"/>
+                            </p:stCondLst>
+                            <p:childTnLst>
+                              <p:par>
+                                <p:cTn id="11" presetID="42" presetClass="entr" presetSubtype="0" fill="hold" grpId="0" nodeType="afterEffect">
+                                  <p:stCondLst>
+                                    <p:cond delay="500"/>
+                                  </p:stCondLst>
+                                  <p:childTnLst>
+                                    <p:set>
+                                      <p:cBhvr>
+                                        <p:cTn id="12" dur="1" fill="hold">
+                                          <p:stCondLst>
+                                            <p:cond delay="0"/>
+                                          </p:stCondLst>
+                                        </p:cTn>
+                                        <p:tgtEl>
+                                          <p:spTgt spid="3"/>
+                                        </p:tgtEl>
+                                        <p:attrNameLst>
+                                          <p:attrName>style.visibility</p:attrName>
+                                        </p:attrNameLst>
+                                      </p:cBhvr>
+                                      <p:to>
+                                        <p:strVal val="visible"/>
+                                      </p:to>
+                                    </p:set>
+                                    <p:animEffect transition="in" filter="fade">
+                                      <p:cBhvr>
+                                        <p:cTn id="13" dur="500"/>
+                                        <p:tgtEl>
+                                          <p:spTgt spid="3"/>
+                                        </p:tgtEl>
+                                      </p:cBhvr>
+                                    </p:animEffect>
+                                    <p:anim calcmode="lin" valueType="num">
+                                      <p:cBhvr>
+                                        <p:cTn id="14" dur="500" fill="hold"/>
+                                        <p:tgtEl>
+                                          <p:spTgt spid="3"/>
+                                        </p:tgtEl>
+                                        <p:attrNameLst>
+                                          <p:attrName>ppt_x</p:attrName>
+                                        </p:attrNameLst>
+                                      </p:cBhvr>
+                                      <p:tavLst>
+                                        <p:tav tm="0">
+                                          <p:val>
+                                            <p:strVal val="#ppt_x"/>
+                                          </p:val>
+                                        </p:tav>
+                                        <p:tav tm="100000">
+                                          <p:val>
+                                            <p:strVal val="#ppt_x"/>
+                                          </p:val>
+                                        </p:tav>
+                                      </p:tavLst>
+                                    </p:anim>
+                                    <p:anim calcmode="lin" valueType="num">
+                                      <p:cBhvr>
+                                        <p:cTn id="15" dur="500" fill="hold"/>
+                                        <p:tgtEl>
+                                          <p:spTgt spid="3"/>
+                                        </p:tgtEl>
+                                        <p:attrNameLst>
+                                          <p:attrName>ppt_y</p:attrName>
+                                        </p:attrNameLst>
+                                      </p:cBhvr>
+                                      <p:tavLst>
+                                        <p:tav tm="0">
+                                          <p:val>
+                                            <p:strVal val="#ppt_y+.1"/>
+                                          </p:val>
+                                        </p:tav>
+                                        <p:tav tm="100000">
+                                          <p:val>
+                                            <p:strVal val="#ppt_y"/>
+                                          </p:val>
+                                        </p:tav>
+                                      </p:tavLst>
+                                    </p:anim>
+                                  </p:childTnLst>
+                                </p:cTn>
+                              </p:par>
+                            </p:childTnLst>
+                          </p:cTn>
+                        </p:par>
+                      </p:childTnLst>
+                    </p:cTn>
+                  </p:par>
+                </p:childTnLst>
+              </p:cTn>
+              <p:prevCondLst>
+                <p:cond evt="onPrev" delay="0">
+                  <p:tgtEl>
+                    <p:sldTgt/>
+                  </p:tgtEl>
+                </p:cond>
+              </p:prevCondLst>
+              <p:nextCondLst>
+                <p:cond evt="onNext" delay="0">
+                  <p:tgtEl>
+                    <p:sldTgt/>
+                  </p:tgtEl>
+                </p:cond>
+              </p:nextCondLst>
+            </p:seq>
+          </p:childTnLst>
+        </p:cTn>
       </p:par>
     </p:tnLst>
+    <p:bldLst>
+      <p:bldP spid="3" grpId="0"/>
+      <p:bldP spid="4" grpId="0"/>
+    </p:bldLst>
   </p:timing>
 </p:sld>
 </file>
@@ -7723,7 +8611,7 @@
         </p:nvSpPr>
         <p:spPr>
           <a:xfrm>
-            <a:off x="7509671" y="3790647"/>
+            <a:off x="7414968" y="3912691"/>
             <a:ext cx="2459083" cy="682742"/>
           </a:xfrm>
         </p:spPr>
@@ -7781,12 +8669,146 @@
   <p:clrMapOvr>
     <a:masterClrMapping/>
   </p:clrMapOvr>
+  <mc:AlternateContent xmlns:mc="http://schemas.openxmlformats.org/markup-compatibility/2006">
+    <mc:Choice xmlns:p14="http://schemas.microsoft.com/office/powerpoint/2010/main" Requires="p14">
+      <p:transition spd="slow" p14:dur="2000">
+        <p14:honeycomb/>
+      </p:transition>
+    </mc:Choice>
+    <mc:Fallback>
+      <p:transition spd="slow">
+        <p:fade/>
+      </p:transition>
+    </mc:Fallback>
+  </mc:AlternateContent>
   <p:timing>
     <p:tnLst>
       <p:par>
-        <p:cTn id="1" dur="indefinite" restart="never" nodeType="tmRoot"/>
+        <p:cTn id="1" dur="indefinite" restart="never" nodeType="tmRoot">
+          <p:childTnLst>
+            <p:seq concurrent="1" nextAc="seek">
+              <p:cTn id="2" dur="indefinite" nodeType="mainSeq">
+                <p:childTnLst>
+                  <p:par>
+                    <p:cTn id="3" fill="hold">
+                      <p:stCondLst>
+                        <p:cond delay="indefinite"/>
+                      </p:stCondLst>
+                      <p:childTnLst>
+                        <p:par>
+                          <p:cTn id="4" fill="hold">
+                            <p:stCondLst>
+                              <p:cond delay="0"/>
+                            </p:stCondLst>
+                            <p:childTnLst>
+                              <p:par>
+                                <p:cTn id="5" presetID="10" presetClass="entr" presetSubtype="0" fill="hold" nodeType="clickEffect">
+                                  <p:stCondLst>
+                                    <p:cond delay="0"/>
+                                  </p:stCondLst>
+                                  <p:childTnLst>
+                                    <p:set>
+                                      <p:cBhvr>
+                                        <p:cTn id="6" dur="1" fill="hold">
+                                          <p:stCondLst>
+                                            <p:cond delay="0"/>
+                                          </p:stCondLst>
+                                        </p:cTn>
+                                        <p:tgtEl>
+                                          <p:spTgt spid="4"/>
+                                        </p:tgtEl>
+                                        <p:attrNameLst>
+                                          <p:attrName>style.visibility</p:attrName>
+                                        </p:attrNameLst>
+                                      </p:cBhvr>
+                                      <p:to>
+                                        <p:strVal val="visible"/>
+                                      </p:to>
+                                    </p:set>
+                                    <p:animEffect transition="in" filter="fade">
+                                      <p:cBhvr>
+                                        <p:cTn id="7" dur="500"/>
+                                        <p:tgtEl>
+                                          <p:spTgt spid="4"/>
+                                        </p:tgtEl>
+                                      </p:cBhvr>
+                                    </p:animEffect>
+                                  </p:childTnLst>
+                                </p:cTn>
+                              </p:par>
+                              <p:par>
+                                <p:cTn id="8" presetID="10" presetClass="entr" presetSubtype="0" fill="hold" grpId="0" nodeType="withEffect">
+                                  <p:stCondLst>
+                                    <p:cond delay="0"/>
+                                  </p:stCondLst>
+                                  <p:childTnLst>
+                                    <p:set>
+                                      <p:cBhvr>
+                                        <p:cTn id="9" dur="1" fill="hold">
+                                          <p:stCondLst>
+                                            <p:cond delay="0"/>
+                                          </p:stCondLst>
+                                        </p:cTn>
+                                        <p:tgtEl>
+                                          <p:spTgt spid="3">
+                                            <p:txEl>
+                                              <p:pRg st="0" end="0"/>
+                                            </p:txEl>
+                                          </p:spTgt>
+                                        </p:tgtEl>
+                                        <p:attrNameLst>
+                                          <p:attrName>style.visibility</p:attrName>
+                                        </p:attrNameLst>
+                                      </p:cBhvr>
+                                      <p:to>
+                                        <p:strVal val="visible"/>
+                                      </p:to>
+                                    </p:set>
+                                    <p:animEffect transition="in" filter="fade">
+                                      <p:cBhvr>
+                                        <p:cTn id="10" dur="500"/>
+                                        <p:tgtEl>
+                                          <p:spTgt spid="3">
+                                            <p:txEl>
+                                              <p:pRg st="0" end="0"/>
+                                            </p:txEl>
+                                          </p:spTgt>
+                                        </p:tgtEl>
+                                      </p:cBhvr>
+                                    </p:animEffect>
+                                  </p:childTnLst>
+                                </p:cTn>
+                              </p:par>
+                            </p:childTnLst>
+                          </p:cTn>
+                        </p:par>
+                      </p:childTnLst>
+                    </p:cTn>
+                  </p:par>
+                </p:childTnLst>
+              </p:cTn>
+              <p:prevCondLst>
+                <p:cond evt="onPrev" delay="0">
+                  <p:tgtEl>
+                    <p:sldTgt/>
+                  </p:tgtEl>
+                </p:cond>
+              </p:prevCondLst>
+              <p:nextCondLst>
+                <p:cond evt="onNext" delay="0">
+                  <p:tgtEl>
+                    <p:sldTgt/>
+                  </p:tgtEl>
+                </p:cond>
+              </p:nextCondLst>
+            </p:seq>
+          </p:childTnLst>
+        </p:cTn>
       </p:par>
     </p:tnLst>
+    <p:bldLst>
+      <p:bldP spid="3" grpId="0" build="p"/>
+    </p:bldLst>
   </p:timing>
 </p:sld>
 </file>
@@ -7841,7 +8863,12 @@
             <p:ph idx="1"/>
           </p:nvPr>
         </p:nvSpPr>
-        <p:spPr/>
+        <p:spPr>
+          <a:xfrm>
+            <a:off x="827677" y="2222287"/>
+            <a:ext cx="10554574" cy="3636511"/>
+          </a:xfrm>
+        </p:spPr>
         <p:txBody>
           <a:bodyPr>
             <a:normAutofit/>
@@ -7850,26 +8877,28 @@
           <a:p>
             <a:r>
               <a:rPr lang="en-US" sz="2000" dirty="0" smtClean="0"/>
-              <a:t>1</a:t>
+              <a:t>Restaurant discovery</a:t>
             </a:r>
           </a:p>
           <a:p>
             <a:r>
               <a:rPr lang="en-US" sz="2000" dirty="0" smtClean="0"/>
-              <a:t>2</a:t>
+              <a:t>Simplicity</a:t>
             </a:r>
           </a:p>
           <a:p>
             <a:r>
               <a:rPr lang="en-US" sz="2000" dirty="0" smtClean="0"/>
-              <a:t>3</a:t>
-            </a:r>
-          </a:p>
-          <a:p>
-            <a:r>
-              <a:rPr lang="en-US" sz="2000" dirty="0"/>
-              <a:t>4</a:t>
-            </a:r>
+              <a:t>One-stop portal</a:t>
+            </a:r>
+          </a:p>
+          <a:p>
+            <a:r>
+              <a:rPr lang="en-US" sz="2000" dirty="0" smtClean="0"/>
+              <a:t>Algorithmic matching</a:t>
+            </a:r>
+          </a:p>
+          <a:p>
             <a:endParaRPr lang="en-US" sz="2000" dirty="0" smtClean="0"/>
           </a:p>
         </p:txBody>
@@ -7884,6 +8913,18 @@
   <p:clrMapOvr>
     <a:masterClrMapping/>
   </p:clrMapOvr>
+  <mc:AlternateContent xmlns:mc="http://schemas.openxmlformats.org/markup-compatibility/2006">
+    <mc:Choice xmlns:p14="http://schemas.microsoft.com/office/powerpoint/2010/main" Requires="p14">
+      <p:transition spd="med" p14:dur="700">
+        <p:fade/>
+      </p:transition>
+    </mc:Choice>
+    <mc:Fallback>
+      <p:transition spd="med">
+        <p:fade/>
+      </p:transition>
+    </mc:Fallback>
+  </mc:AlternateContent>
   <p:timing>
     <p:tnLst>
       <p:par>
@@ -7986,7 +9027,7 @@
             </a:pPr>
             <a:r>
               <a:rPr lang="en-US" sz="2000" dirty="0" smtClean="0"/>
-              <a:t>Backend</a:t>
+              <a:t>Cosine similarity scoring</a:t>
             </a:r>
           </a:p>
           <a:p>
@@ -7996,7 +9037,7 @@
             </a:pPr>
             <a:r>
               <a:rPr lang="en-US" sz="2000" dirty="0" smtClean="0"/>
-              <a:t>2</a:t>
+              <a:t>Data curation</a:t>
             </a:r>
           </a:p>
           <a:p>
@@ -8006,18 +9047,20 @@
             </a:pPr>
             <a:r>
               <a:rPr lang="en-US" sz="2000" dirty="0" smtClean="0"/>
-              <a:t>3</a:t>
-            </a:r>
+              <a:t>Intelligent </a:t>
+            </a:r>
+            <a:r>
+              <a:rPr lang="en-US" sz="2000" dirty="0" err="1" smtClean="0"/>
+              <a:t>refiltering</a:t>
+            </a:r>
+            <a:endParaRPr lang="en-US" sz="1800" dirty="0" smtClean="0"/>
           </a:p>
           <a:p>
             <a:pPr marL="342900" indent="-342900">
               <a:buFont typeface="Courier New" panose="02070309020205020404" pitchFamily="49" charset="0"/>
               <a:buChar char="o"/>
             </a:pPr>
-            <a:r>
-              <a:rPr lang="en-US" sz="2000" dirty="0"/>
-              <a:t>4</a:t>
-            </a:r>
+            <a:endParaRPr lang="en-US" sz="2000" dirty="0"/>
           </a:p>
         </p:txBody>
       </p:sp>
@@ -8031,6 +9074,18 @@
   <p:clrMapOvr>
     <a:masterClrMapping/>
   </p:clrMapOvr>
+  <mc:AlternateContent xmlns:mc="http://schemas.openxmlformats.org/markup-compatibility/2006">
+    <mc:Choice xmlns:p14="http://schemas.microsoft.com/office/powerpoint/2010/main" Requires="p14">
+      <p:transition spd="med" p14:dur="700">
+        <p:fade/>
+      </p:transition>
+    </mc:Choice>
+    <mc:Fallback>
+      <p:transition spd="med">
+        <p:fade/>
+      </p:transition>
+    </mc:Fallback>
+  </mc:AlternateContent>
   <p:timing>
     <p:tnLst>
       <p:par>

--- a/Noms.pptx
+++ b/Noms.pptx
@@ -116,6 +116,11 @@
       </a:defRPr>
     </a:lvl9pPr>
   </p:defaultTextStyle>
+  <p:extLst>
+    <p:ext uri="{EFAFB233-063F-42B5-8137-9DF3F51BA10A}">
+      <p15:sldGuideLst xmlns:p15="http://schemas.microsoft.com/office/powerpoint/2012/main"/>
+    </p:ext>
+  </p:extLst>
 </p:presentation>
 </file>
 
@@ -214,7 +219,7 @@
           <a:effectLst/>
           <a:extLst>
             <a:ext uri="{91240B29-F687-4f45-9708-019B960494DF}">
-              <a14:hiddenLine xmlns:a14="http://schemas.microsoft.com/office/drawing/2010/main" xmlns="" w="9525">
+              <a14:hiddenLine xmlns="" xmlns:a14="http://schemas.microsoft.com/office/drawing/2010/main" w="9525">
                 <a:solidFill>
                   <a:srgbClr val="000000"/>
                 </a:solidFill>
@@ -410,7 +415,7 @@
             <a:fld id="{08B9EBBA-996F-894A-B54A-D6246ED52CEA}" type="datetimeFigureOut">
               <a:rPr lang="en-US" dirty="0"/>
               <a:pPr/>
-              <a:t>5/6/2015</a:t>
+              <a:t>5/7/2015</a:t>
             </a:fld>
             <a:endParaRPr lang="en-US" dirty="0"/>
           </a:p>
@@ -708,7 +713,7 @@
             <a:fld id="{18C79C5D-2A6F-F04D-97DA-BEF2467B64E4}" type="datetimeFigureOut">
               <a:rPr lang="en-US" dirty="0"/>
               <a:pPr/>
-              <a:t>5/6/2015</a:t>
+              <a:t>5/7/2015</a:t>
             </a:fld>
             <a:endParaRPr lang="en-US" dirty="0"/>
           </a:p>
@@ -1201,7 +1206,7 @@
             <a:fld id="{8DFA1846-DA80-1C48-A609-854EA85C59AD}" type="datetimeFigureOut">
               <a:rPr lang="en-US" dirty="0"/>
               <a:pPr/>
-              <a:t>5/6/2015</a:t>
+              <a:t>5/7/2015</a:t>
             </a:fld>
             <a:endParaRPr lang="en-US" dirty="0"/>
           </a:p>
@@ -1575,7 +1580,7 @@
             <a:fld id="{FBF54567-0DE4-3F47-BF90-CB84690072F9}" type="datetimeFigureOut">
               <a:rPr lang="en-US" dirty="0"/>
               <a:pPr/>
-              <a:t>5/6/2015</a:t>
+              <a:t>5/7/2015</a:t>
             </a:fld>
             <a:endParaRPr lang="en-US" dirty="0"/>
           </a:p>
@@ -2127,7 +2132,7 @@
           <a:ln/>
           <a:extLst>
             <a:ext uri="{91240B29-F687-4f45-9708-019B960494DF}">
-              <a14:hiddenLine xmlns:a14="http://schemas.microsoft.com/office/drawing/2010/main" xmlns="" w="9525">
+              <a14:hiddenLine xmlns="" xmlns:a14="http://schemas.microsoft.com/office/drawing/2010/main" w="9525">
                 <a:solidFill>
                   <a:srgbClr val="000000"/>
                 </a:solidFill>
@@ -2246,7 +2251,7 @@
             <a:fld id="{C6C52C72-DE31-F449-A4ED-4C594FD91407}" type="datetimeFigureOut">
               <a:rPr lang="en-US" dirty="0"/>
               <a:pPr/>
-              <a:t>5/6/2015</a:t>
+              <a:t>5/7/2015</a:t>
             </a:fld>
             <a:endParaRPr lang="en-US" dirty="0"/>
           </a:p>
@@ -2407,7 +2412,7 @@
           <a:ln/>
           <a:extLst>
             <a:ext uri="{91240B29-F687-4f45-9708-019B960494DF}">
-              <a14:hiddenLine xmlns:a14="http://schemas.microsoft.com/office/drawing/2010/main" xmlns="" w="9525">
+              <a14:hiddenLine xmlns="" xmlns:a14="http://schemas.microsoft.com/office/drawing/2010/main" w="9525">
                 <a:solidFill>
                   <a:srgbClr val="000000"/>
                 </a:solidFill>
@@ -2536,7 +2541,7 @@
             <a:fld id="{ED62726E-379B-B349-9EED-81ED093FA806}" type="datetimeFigureOut">
               <a:rPr lang="en-US" dirty="0"/>
               <a:pPr/>
-              <a:t>5/6/2015</a:t>
+              <a:t>5/7/2015</a:t>
             </a:fld>
             <a:endParaRPr lang="en-US" dirty="0"/>
           </a:p>
@@ -2695,7 +2700,7 @@
           <a:ln/>
           <a:extLst>
             <a:ext uri="{91240B29-F687-4f45-9708-019B960494DF}">
-              <a14:hiddenLine xmlns:a14="http://schemas.microsoft.com/office/drawing/2010/main" xmlns="" w="9525">
+              <a14:hiddenLine xmlns="" xmlns:a14="http://schemas.microsoft.com/office/drawing/2010/main" w="9525">
                 <a:solidFill>
                   <a:srgbClr val="000000"/>
                 </a:solidFill>
@@ -2824,7 +2829,7 @@
             <a:fld id="{9B3A1323-8D79-1946-B0D7-40001CF92E9D}" type="datetimeFigureOut">
               <a:rPr lang="en-US" dirty="0"/>
               <a:pPr/>
-              <a:t>5/6/2015</a:t>
+              <a:t>5/7/2015</a:t>
             </a:fld>
             <a:endParaRPr lang="en-US" dirty="0"/>
           </a:p>
@@ -3172,7 +3177,7 @@
             <a:fld id="{8DFA1846-DA80-1C48-A609-854EA85C59AD}" type="datetimeFigureOut">
               <a:rPr lang="en-US" dirty="0"/>
               <a:pPr/>
-              <a:t>5/6/2015</a:t>
+              <a:t>5/7/2015</a:t>
             </a:fld>
             <a:endParaRPr lang="en-US" dirty="0"/>
           </a:p>
@@ -3331,7 +3336,7 @@
           <a:ln/>
           <a:extLst>
             <a:ext uri="{91240B29-F687-4f45-9708-019B960494DF}">
-              <a14:hiddenLine xmlns:a14="http://schemas.microsoft.com/office/drawing/2010/main" xmlns="" w="9525">
+              <a14:hiddenLine xmlns="" xmlns:a14="http://schemas.microsoft.com/office/drawing/2010/main" w="9525">
                 <a:solidFill>
                   <a:srgbClr val="000000"/>
                 </a:solidFill>
@@ -3516,7 +3521,7 @@
             <a:fld id="{57302355-E14B-8545-A8F8-0FE83CC9D524}" type="datetimeFigureOut">
               <a:rPr lang="en-US" dirty="0"/>
               <a:pPr/>
-              <a:t>5/6/2015</a:t>
+              <a:t>5/7/2015</a:t>
             </a:fld>
             <a:endParaRPr lang="en-US" dirty="0"/>
           </a:p>
@@ -3675,7 +3680,7 @@
           <a:ln/>
           <a:extLst>
             <a:ext uri="{91240B29-F687-4f45-9708-019B960494DF}">
-              <a14:hiddenLine xmlns:a14="http://schemas.microsoft.com/office/drawing/2010/main" xmlns="" w="9525">
+              <a14:hiddenLine xmlns="" xmlns:a14="http://schemas.microsoft.com/office/drawing/2010/main" w="9525">
                 <a:solidFill>
                   <a:srgbClr val="000000"/>
                 </a:solidFill>
@@ -3998,7 +4003,7 @@
             <a:fld id="{02640F58-564D-2B4F-AE67-E407BA4FCF45}" type="datetimeFigureOut">
               <a:rPr lang="en-US" dirty="0"/>
               <a:pPr/>
-              <a:t>5/6/2015</a:t>
+              <a:t>5/7/2015</a:t>
             </a:fld>
             <a:endParaRPr lang="en-US" dirty="0"/>
           </a:p>
@@ -4157,7 +4162,7 @@
           <a:ln/>
           <a:extLst>
             <a:ext uri="{91240B29-F687-4f45-9708-019B960494DF}">
-              <a14:hiddenLine xmlns:a14="http://schemas.microsoft.com/office/drawing/2010/main" xmlns="" w="9525">
+              <a14:hiddenLine xmlns="" xmlns:a14="http://schemas.microsoft.com/office/drawing/2010/main" w="9525">
                 <a:solidFill>
                   <a:srgbClr val="000000"/>
                 </a:solidFill>
@@ -4224,7 +4229,7 @@
             <a:fld id="{F13A34C8-038E-2045-AF43-DF7DBB8E0E9E}" type="datetimeFigureOut">
               <a:rPr lang="en-US" dirty="0"/>
               <a:pPr/>
-              <a:t>5/6/2015</a:t>
+              <a:t>5/7/2015</a:t>
             </a:fld>
             <a:endParaRPr lang="en-US" dirty="0"/>
           </a:p>
@@ -4324,7 +4329,7 @@
             <a:fld id="{8818C68F-D26B-8F47-958C-23B49CF8A634}" type="datetimeFigureOut">
               <a:rPr lang="en-US" dirty="0"/>
               <a:pPr/>
-              <a:t>5/6/2015</a:t>
+              <a:t>5/7/2015</a:t>
             </a:fld>
             <a:endParaRPr lang="en-US" dirty="0"/>
           </a:p>
@@ -4596,7 +4601,7 @@
           <a:ln/>
           <a:extLst>
             <a:ext uri="{91240B29-F687-4f45-9708-019B960494DF}">
-              <a14:hiddenLine xmlns:a14="http://schemas.microsoft.com/office/drawing/2010/main" xmlns="" w="9525">
+              <a14:hiddenLine xmlns="" xmlns:a14="http://schemas.microsoft.com/office/drawing/2010/main" w="9525">
                 <a:solidFill>
                   <a:srgbClr val="000000"/>
                 </a:solidFill>
@@ -4796,7 +4801,7 @@
             <a:fld id="{D0DF5E60-9974-AC48-9591-99C2BB44B7CF}" type="datetimeFigureOut">
               <a:rPr lang="en-US" dirty="0"/>
               <a:pPr/>
-              <a:t>5/6/2015</a:t>
+              <a:t>5/7/2015</a:t>
             </a:fld>
             <a:endParaRPr lang="en-US" dirty="0"/>
           </a:p>
@@ -5114,7 +5119,7 @@
             <a:fld id="{18C79C5D-2A6F-F04D-97DA-BEF2467B64E4}" type="datetimeFigureOut">
               <a:rPr lang="en-US" dirty="0"/>
               <a:pPr/>
-              <a:t>5/6/2015</a:t>
+              <a:t>5/7/2015</a:t>
             </a:fld>
             <a:endParaRPr lang="en-US" dirty="0"/>
           </a:p>
@@ -5384,7 +5389,7 @@
             <a:fld id="{09B482E8-6E0E-1B4F-B1FD-C69DB9E858D9}" type="datetimeFigureOut">
               <a:rPr lang="en-US" dirty="0"/>
               <a:pPr/>
-              <a:t>5/6/2015</a:t>
+              <a:t>5/7/2015</a:t>
             </a:fld>
             <a:endParaRPr lang="en-US" dirty="0"/>
           </a:p>
@@ -5904,13 +5909,13 @@
   <p:clrMapOvr>
     <a:masterClrMapping/>
   </p:clrMapOvr>
-  <mc:AlternateContent xmlns:mc="http://schemas.openxmlformats.org/markup-compatibility/2006">
-    <mc:Choice xmlns:p14="http://schemas.microsoft.com/office/powerpoint/2010/main" Requires="p14">
+  <mc:AlternateContent xmlns:mc="http://schemas.openxmlformats.org/markup-compatibility/2006" xmlns:p14="http://schemas.microsoft.com/office/powerpoint/2010/main">
+    <mc:Choice Requires="p14">
       <p:transition spd="slow" p14:dur="2000">
         <p14:reveal/>
       </p:transition>
     </mc:Choice>
-    <mc:Fallback>
+    <mc:Fallback xmlns="">
       <p:transition spd="slow">
         <p:fade/>
       </p:transition>
@@ -5993,25 +5998,63 @@
           </a:p>
         </p:txBody>
       </p:sp>
-      <p:sp>
-        <p:nvSpPr>
-          <p:cNvPr id="6" name="Text Placeholder 5"/>
-          <p:cNvSpPr>
-            <a:spLocks noGrp="1"/>
-          </p:cNvSpPr>
-          <p:nvPr>
-            <p:ph type="body" sz="quarter" idx="16"/>
-          </p:nvPr>
-        </p:nvSpPr>
-        <p:spPr/>
-        <p:txBody>
-          <a:bodyPr/>
-          <a:lstStyle/>
-          <a:p>
-            <a:endParaRPr lang="en-US"/>
-          </a:p>
-        </p:txBody>
-      </p:sp>
+      <p:pic>
+        <p:nvPicPr>
+          <p:cNvPr id="7" name="Content Placeholder 7"/>
+          <p:cNvPicPr>
+            <a:picLocks noGrp="1" noChangeAspect="1"/>
+          </p:cNvPicPr>
+          <p:nvPr>
+            <p:ph idx="1"/>
+          </p:nvPr>
+        </p:nvPicPr>
+        <p:blipFill rotWithShape="1">
+          <a:blip r:embed="rId2">
+            <a:extLst>
+              <a:ext uri="{28A0092B-C50C-407E-A947-70E740481C1C}">
+                <a14:useLocalDpi xmlns:a14="http://schemas.microsoft.com/office/drawing/2010/main" val="0"/>
+              </a:ext>
+            </a:extLst>
+          </a:blip>
+          <a:srcRect l="1033" r="1254"/>
+          <a:stretch/>
+        </p:blipFill>
+        <p:spPr>
+          <a:xfrm>
+            <a:off x="8335429" y="1075765"/>
+            <a:ext cx="2610477" cy="4749426"/>
+          </a:xfrm>
+        </p:spPr>
+      </p:pic>
+      <p:pic>
+        <p:nvPicPr>
+          <p:cNvPr id="3" name="Picture 2"/>
+          <p:cNvPicPr>
+            <a:picLocks noChangeAspect="1"/>
+          </p:cNvPicPr>
+          <p:nvPr/>
+        </p:nvPicPr>
+        <p:blipFill rotWithShape="1">
+          <a:blip r:embed="rId2">
+            <a:extLst>
+              <a:ext uri="{28A0092B-C50C-407E-A947-70E740481C1C}">
+                <a14:useLocalDpi xmlns:a14="http://schemas.microsoft.com/office/drawing/2010/main" val="0"/>
+              </a:ext>
+            </a:extLst>
+          </a:blip>
+          <a:srcRect l="1628" r="1259"/>
+          <a:stretch/>
+        </p:blipFill>
+        <p:spPr>
+          <a:xfrm>
+            <a:off x="8202706" y="1238502"/>
+            <a:ext cx="2743200" cy="5021725"/>
+          </a:xfrm>
+          <a:prstGeom prst="rect">
+            <a:avLst/>
+          </a:prstGeom>
+        </p:spPr>
+      </p:pic>
     </p:spTree>
     <p:extLst>
       <p:ext uri="{BB962C8B-B14F-4D97-AF65-F5344CB8AC3E}">
@@ -6022,18 +6065,9 @@
   <p:clrMapOvr>
     <a:masterClrMapping/>
   </p:clrMapOvr>
-  <mc:AlternateContent xmlns:mc="http://schemas.openxmlformats.org/markup-compatibility/2006">
-    <mc:Choice xmlns:p14="http://schemas.microsoft.com/office/powerpoint/2010/main" Requires="p14">
-      <p:transition spd="med" p14:dur="700">
-        <p:fade/>
-      </p:transition>
-    </mc:Choice>
-    <mc:Fallback>
-      <p:transition spd="med">
-        <p:fade/>
-      </p:transition>
-    </mc:Fallback>
-  </mc:AlternateContent>
+  <p:transition spd="slow">
+    <p:fade/>
+  </p:transition>
   <p:timing>
     <p:tnLst>
       <p:par>
@@ -6084,9 +6118,68 @@
           </a:p>
         </p:txBody>
       </p:sp>
+      <p:sp>
+        <p:nvSpPr>
+          <p:cNvPr id="7" name="Text Placeholder 6"/>
+          <p:cNvSpPr>
+            <a:spLocks noGrp="1"/>
+          </p:cNvSpPr>
+          <p:nvPr>
+            <p:ph type="body" sz="half" idx="2"/>
+          </p:nvPr>
+        </p:nvSpPr>
+        <p:spPr/>
+        <p:txBody>
+          <a:bodyPr>
+            <a:normAutofit/>
+          </a:bodyPr>
+          <a:lstStyle/>
+          <a:p>
+            <a:pPr marL="342900" indent="-342900">
+              <a:buFont typeface="Courier New" panose="02070309020205020404" pitchFamily="49" charset="0"/>
+              <a:buChar char="o"/>
+            </a:pPr>
+            <a:r>
+              <a:rPr lang="en-US" sz="1800" dirty="0" smtClean="0"/>
+              <a:t>Philosophy</a:t>
+            </a:r>
+          </a:p>
+          <a:p>
+            <a:pPr marL="342900" indent="-342900">
+              <a:buFont typeface="Courier New" panose="02070309020205020404" pitchFamily="49" charset="0"/>
+              <a:buChar char="o"/>
+            </a:pPr>
+            <a:r>
+              <a:rPr lang="en-US" sz="1800" dirty="0" smtClean="0"/>
+              <a:t>Profiles</a:t>
+            </a:r>
+          </a:p>
+          <a:p>
+            <a:pPr marL="342900" indent="-342900">
+              <a:buFont typeface="Courier New" panose="02070309020205020404" pitchFamily="49" charset="0"/>
+              <a:buChar char="o"/>
+            </a:pPr>
+            <a:r>
+              <a:rPr lang="en-US" sz="1800" dirty="0" smtClean="0"/>
+              <a:t>Preferences</a:t>
+            </a:r>
+            <a:endParaRPr lang="en-US" sz="1800" dirty="0" smtClean="0"/>
+          </a:p>
+          <a:p>
+            <a:pPr marL="342900" indent="-342900">
+              <a:buFont typeface="Courier New" panose="02070309020205020404" pitchFamily="49" charset="0"/>
+              <a:buChar char="o"/>
+            </a:pPr>
+            <a:r>
+              <a:rPr lang="en-US" sz="1800" dirty="0" smtClean="0"/>
+              <a:t>Restaurant suggestions</a:t>
+            </a:r>
+          </a:p>
+        </p:txBody>
+      </p:sp>
       <p:pic>
         <p:nvPicPr>
-          <p:cNvPr id="8" name="Content Placeholder 7"/>
+          <p:cNvPr id="6" name="Content Placeholder 5"/>
           <p:cNvPicPr>
             <a:picLocks noGrp="1" noChangeAspect="1"/>
           </p:cNvPicPr>
@@ -6102,74 +6195,19 @@
               </a:ext>
             </a:extLst>
           </a:blip>
-          <a:srcRect l="1033" r="1254"/>
+          <a:srcRect l="1033" r="1111"/>
           <a:stretch/>
         </p:blipFill>
         <p:spPr>
           <a:xfrm>
-            <a:off x="6490446" y="446088"/>
-            <a:ext cx="2976283" cy="5414962"/>
+            <a:off x="8289461" y="584199"/>
+            <a:ext cx="2603964" cy="4730749"/>
           </a:xfrm>
+          <a:prstGeom prst="rect">
+            <a:avLst/>
+          </a:prstGeom>
         </p:spPr>
       </p:pic>
-      <p:sp>
-        <p:nvSpPr>
-          <p:cNvPr id="7" name="Text Placeholder 6"/>
-          <p:cNvSpPr>
-            <a:spLocks noGrp="1"/>
-          </p:cNvSpPr>
-          <p:nvPr>
-            <p:ph type="body" sz="half" idx="2"/>
-          </p:nvPr>
-        </p:nvSpPr>
-        <p:spPr/>
-        <p:txBody>
-          <a:bodyPr>
-            <a:normAutofit/>
-          </a:bodyPr>
-          <a:lstStyle/>
-          <a:p>
-            <a:pPr marL="342900" indent="-342900">
-              <a:buFont typeface="Courier New" panose="02070309020205020404" pitchFamily="49" charset="0"/>
-              <a:buChar char="o"/>
-            </a:pPr>
-            <a:r>
-              <a:rPr lang="en-US" sz="1800" dirty="0" smtClean="0"/>
-              <a:t>Philosophy</a:t>
-            </a:r>
-          </a:p>
-          <a:p>
-            <a:pPr marL="342900" indent="-342900">
-              <a:buFont typeface="Courier New" panose="02070309020205020404" pitchFamily="49" charset="0"/>
-              <a:buChar char="o"/>
-            </a:pPr>
-            <a:r>
-              <a:rPr lang="en-US" sz="1800" dirty="0" smtClean="0"/>
-              <a:t>Profiles</a:t>
-            </a:r>
-          </a:p>
-          <a:p>
-            <a:pPr marL="342900" indent="-342900">
-              <a:buFont typeface="Courier New" panose="02070309020205020404" pitchFamily="49" charset="0"/>
-              <a:buChar char="o"/>
-            </a:pPr>
-            <a:r>
-              <a:rPr lang="en-US" sz="1800" dirty="0" smtClean="0"/>
-              <a:t>Preferences</a:t>
-            </a:r>
-          </a:p>
-          <a:p>
-            <a:pPr marL="342900" indent="-342900">
-              <a:buFont typeface="Courier New" panose="02070309020205020404" pitchFamily="49" charset="0"/>
-              <a:buChar char="o"/>
-            </a:pPr>
-            <a:r>
-              <a:rPr lang="en-US" sz="1800" dirty="0" smtClean="0"/>
-              <a:t>Restaurant suggestions</a:t>
-            </a:r>
-          </a:p>
-        </p:txBody>
-      </p:sp>
     </p:spTree>
     <p:extLst>
       <p:ext uri="{BB962C8B-B14F-4D97-AF65-F5344CB8AC3E}">
@@ -6180,18 +6218,9 @@
   <p:clrMapOvr>
     <a:masterClrMapping/>
   </p:clrMapOvr>
-  <mc:AlternateContent xmlns:mc="http://schemas.openxmlformats.org/markup-compatibility/2006">
-    <mc:Choice xmlns:p14="http://schemas.microsoft.com/office/powerpoint/2010/main" Requires="p14">
-      <p:transition spd="med" p14:dur="700">
-        <p:fade/>
-      </p:transition>
-    </mc:Choice>
-    <mc:Fallback>
-      <p:transition spd="med">
-        <p:fade/>
-      </p:transition>
-    </mc:Fallback>
-  </mc:AlternateContent>
+  <p:transition spd="slow">
+    <p:fade/>
+  </p:transition>
   <p:timing>
     <p:tnLst>
       <p:par>
@@ -6271,18 +6300,9 @@
   <p:clrMapOvr>
     <a:masterClrMapping/>
   </p:clrMapOvr>
-  <mc:AlternateContent xmlns:mc="http://schemas.openxmlformats.org/markup-compatibility/2006">
-    <mc:Choice xmlns:p14="http://schemas.microsoft.com/office/powerpoint/2010/main" Requires="p14">
-      <p:transition spd="med" p14:dur="700">
-        <p:fade/>
-      </p:transition>
-    </mc:Choice>
-    <mc:Fallback>
-      <p:transition spd="med">
-        <p:fade/>
-      </p:transition>
-    </mc:Fallback>
-  </mc:AlternateContent>
+  <p:transition spd="slow">
+    <p:fade/>
+  </p:transition>
   <p:timing>
     <p:tnLst>
       <p:par>
@@ -6394,18 +6414,9 @@
   <p:clrMapOvr>
     <a:masterClrMapping/>
   </p:clrMapOvr>
-  <mc:AlternateContent xmlns:mc="http://schemas.openxmlformats.org/markup-compatibility/2006">
-    <mc:Choice xmlns:p14="http://schemas.microsoft.com/office/powerpoint/2010/main" Requires="p14">
-      <p:transition spd="med" p14:dur="700">
-        <p:fade/>
-      </p:transition>
-    </mc:Choice>
-    <mc:Fallback>
-      <p:transition spd="med">
-        <p:fade/>
-      </p:transition>
-    </mc:Fallback>
-  </mc:AlternateContent>
+  <p:transition spd="slow">
+    <p:fade/>
+  </p:transition>
   <p:timing>
     <p:tnLst>
       <p:par>
@@ -6477,13 +6488,13 @@
   <p:clrMapOvr>
     <a:masterClrMapping/>
   </p:clrMapOvr>
-  <mc:AlternateContent xmlns:mc="http://schemas.openxmlformats.org/markup-compatibility/2006">
-    <mc:Choice xmlns:p14="http://schemas.microsoft.com/office/powerpoint/2010/main" Requires="p14">
+  <mc:AlternateContent xmlns:mc="http://schemas.openxmlformats.org/markup-compatibility/2006" xmlns:p14="http://schemas.microsoft.com/office/powerpoint/2010/main">
+    <mc:Choice Requires="p14">
       <p:transition spd="med" p14:dur="700">
         <p:fade/>
       </p:transition>
     </mc:Choice>
-    <mc:Fallback>
+    <mc:Fallback xmlns="">
       <p:transition spd="med">
         <p:fade/>
       </p:transition>
@@ -6790,13 +6801,13 @@
   <p:clrMapOvr>
     <a:masterClrMapping/>
   </p:clrMapOvr>
-  <mc:AlternateContent xmlns:mc="http://schemas.openxmlformats.org/markup-compatibility/2006">
-    <mc:Choice xmlns:p14="http://schemas.microsoft.com/office/powerpoint/2010/main" Requires="p14">
+  <mc:AlternateContent xmlns:mc="http://schemas.openxmlformats.org/markup-compatibility/2006" xmlns:p14="http://schemas.microsoft.com/office/powerpoint/2010/main">
+    <mc:Choice Requires="p14">
       <p:transition spd="med" p14:dur="700">
         <p:fade/>
       </p:transition>
     </mc:Choice>
-    <mc:Fallback>
+    <mc:Fallback xmlns="">
       <p:transition spd="med">
         <p:fade/>
       </p:transition>
@@ -7324,13 +7335,13 @@
   <p:clrMapOvr>
     <a:masterClrMapping/>
   </p:clrMapOvr>
-  <mc:AlternateContent xmlns:mc="http://schemas.openxmlformats.org/markup-compatibility/2006">
-    <mc:Choice xmlns:p14="http://schemas.microsoft.com/office/powerpoint/2010/main" Requires="p14">
+  <mc:AlternateContent xmlns:mc="http://schemas.openxmlformats.org/markup-compatibility/2006" xmlns:p14="http://schemas.microsoft.com/office/powerpoint/2010/main">
+    <mc:Choice Requires="p14">
       <p:transition spd="med" p14:dur="700">
         <p:fade/>
       </p:transition>
     </mc:Choice>
-    <mc:Fallback>
+    <mc:Fallback xmlns="">
       <p:transition spd="med">
         <p:fade/>
       </p:transition>
@@ -7776,13 +7787,13 @@
   <p:clrMapOvr>
     <a:masterClrMapping/>
   </p:clrMapOvr>
-  <mc:AlternateContent xmlns:mc="http://schemas.openxmlformats.org/markup-compatibility/2006">
-    <mc:Choice xmlns:p14="http://schemas.microsoft.com/office/powerpoint/2010/main" Requires="p14">
+  <mc:AlternateContent xmlns:mc="http://schemas.openxmlformats.org/markup-compatibility/2006" xmlns:p14="http://schemas.microsoft.com/office/powerpoint/2010/main">
+    <mc:Choice Requires="p14">
       <p:transition spd="med" p14:dur="700">
         <p:fade/>
       </p:transition>
     </mc:Choice>
-    <mc:Fallback>
+    <mc:Fallback xmlns="">
       <p:transition spd="med">
         <p:fade/>
       </p:transition>
@@ -8271,9 +8282,6 @@
               </a:rPr>
               <a:t>breaks loose…</a:t>
             </a:r>
-            <a:endParaRPr lang="en-US" sz="2400" b="1" dirty="0">
-              <a:latin typeface="Gotham" panose="02000604030000020004" pitchFamily="50" charset="0"/>
-            </a:endParaRPr>
           </a:p>
         </p:txBody>
       </p:sp>
@@ -8321,13 +8329,13 @@
   <p:clrMapOvr>
     <a:masterClrMapping/>
   </p:clrMapOvr>
-  <mc:AlternateContent xmlns:mc="http://schemas.openxmlformats.org/markup-compatibility/2006">
-    <mc:Choice xmlns:p14="http://schemas.microsoft.com/office/powerpoint/2010/main" Requires="p14">
+  <mc:AlternateContent xmlns:mc="http://schemas.openxmlformats.org/markup-compatibility/2006" xmlns:p14="http://schemas.microsoft.com/office/powerpoint/2010/main">
+    <mc:Choice Requires="p14">
       <p:transition spd="med" p14:dur="700">
         <p:fade/>
       </p:transition>
     </mc:Choice>
-    <mc:Fallback>
+    <mc:Fallback xmlns="">
       <p:transition spd="med">
         <p:fade/>
       </p:transition>
@@ -8669,13 +8677,13 @@
   <p:clrMapOvr>
     <a:masterClrMapping/>
   </p:clrMapOvr>
-  <mc:AlternateContent xmlns:mc="http://schemas.openxmlformats.org/markup-compatibility/2006">
-    <mc:Choice xmlns:p14="http://schemas.microsoft.com/office/powerpoint/2010/main" Requires="p14">
+  <mc:AlternateContent xmlns:mc="http://schemas.openxmlformats.org/markup-compatibility/2006" xmlns:p14="http://schemas.microsoft.com/office/powerpoint/2010/main">
+    <mc:Choice Requires="p14">
       <p:transition spd="slow" p14:dur="2000">
         <p14:honeycomb/>
       </p:transition>
     </mc:Choice>
-    <mc:Fallback>
+    <mc:Fallback xmlns="">
       <p:transition spd="slow">
         <p:fade/>
       </p:transition>
@@ -8895,7 +8903,7 @@
           <a:p>
             <a:r>
               <a:rPr lang="en-US" sz="2000" dirty="0" smtClean="0"/>
-              <a:t>Algorithmic matching</a:t>
+              <a:t> Algorithmic matching</a:t>
             </a:r>
           </a:p>
           <a:p>
@@ -8913,18 +8921,9 @@
   <p:clrMapOvr>
     <a:masterClrMapping/>
   </p:clrMapOvr>
-  <mc:AlternateContent xmlns:mc="http://schemas.openxmlformats.org/markup-compatibility/2006">
-    <mc:Choice xmlns:p14="http://schemas.microsoft.com/office/powerpoint/2010/main" Requires="p14">
-      <p:transition spd="med" p14:dur="700">
-        <p:fade/>
-      </p:transition>
-    </mc:Choice>
-    <mc:Fallback>
-      <p:transition spd="med">
-        <p:fade/>
-      </p:transition>
-    </mc:Fallback>
-  </mc:AlternateContent>
+  <p:transition spd="slow">
+    <p:fade/>
+  </p:transition>
   <p:timing>
     <p:tnLst>
       <p:par>
@@ -9074,18 +9073,9 @@
   <p:clrMapOvr>
     <a:masterClrMapping/>
   </p:clrMapOvr>
-  <mc:AlternateContent xmlns:mc="http://schemas.openxmlformats.org/markup-compatibility/2006">
-    <mc:Choice xmlns:p14="http://schemas.microsoft.com/office/powerpoint/2010/main" Requires="p14">
-      <p:transition spd="med" p14:dur="700">
-        <p:fade/>
-      </p:transition>
-    </mc:Choice>
-    <mc:Fallback>
-      <p:transition spd="med">
-        <p:fade/>
-      </p:transition>
-    </mc:Fallback>
-  </mc:AlternateContent>
+  <p:transition spd="slow">
+    <p:fade/>
+  </p:transition>
   <p:timing>
     <p:tnLst>
       <p:par>
@@ -9099,7 +9089,7 @@
 <file path=ppt/theme/theme1.xml><?xml version="1.0" encoding="utf-8"?>
 <a:theme xmlns:a="http://schemas.openxmlformats.org/drawingml/2006/main" name="Quotable">
   <a:themeElements>
-    <a:clrScheme name="Custom 2">
+    <a:clrScheme name="Custom 3">
       <a:dk1>
         <a:sysClr val="windowText" lastClr="000000"/>
       </a:dk1>
@@ -9113,7 +9103,7 @@
         <a:srgbClr val="636363"/>
       </a:lt2>
       <a:accent1>
-        <a:srgbClr val="01CA89"/>
+        <a:srgbClr val="83CA89"/>
       </a:accent1>
       <a:accent2>
         <a:srgbClr val="E19933"/>

--- a/Noms.pptx
+++ b/Noms.pptx
@@ -219,7 +219,7 @@
           <a:effectLst/>
           <a:extLst>
             <a:ext uri="{91240B29-F687-4f45-9708-019B960494DF}">
-              <a14:hiddenLine xmlns="" xmlns:a14="http://schemas.microsoft.com/office/drawing/2010/main" w="9525">
+              <a14:hiddenLine xmlns:a14="http://schemas.microsoft.com/office/drawing/2010/main" xmlns="" w="9525">
                 <a:solidFill>
                   <a:srgbClr val="000000"/>
                 </a:solidFill>
@@ -2132,7 +2132,7 @@
           <a:ln/>
           <a:extLst>
             <a:ext uri="{91240B29-F687-4f45-9708-019B960494DF}">
-              <a14:hiddenLine xmlns="" xmlns:a14="http://schemas.microsoft.com/office/drawing/2010/main" w="9525">
+              <a14:hiddenLine xmlns:a14="http://schemas.microsoft.com/office/drawing/2010/main" xmlns="" w="9525">
                 <a:solidFill>
                   <a:srgbClr val="000000"/>
                 </a:solidFill>
@@ -2412,7 +2412,7 @@
           <a:ln/>
           <a:extLst>
             <a:ext uri="{91240B29-F687-4f45-9708-019B960494DF}">
-              <a14:hiddenLine xmlns="" xmlns:a14="http://schemas.microsoft.com/office/drawing/2010/main" w="9525">
+              <a14:hiddenLine xmlns:a14="http://schemas.microsoft.com/office/drawing/2010/main" xmlns="" w="9525">
                 <a:solidFill>
                   <a:srgbClr val="000000"/>
                 </a:solidFill>
@@ -2700,7 +2700,7 @@
           <a:ln/>
           <a:extLst>
             <a:ext uri="{91240B29-F687-4f45-9708-019B960494DF}">
-              <a14:hiddenLine xmlns="" xmlns:a14="http://schemas.microsoft.com/office/drawing/2010/main" w="9525">
+              <a14:hiddenLine xmlns:a14="http://schemas.microsoft.com/office/drawing/2010/main" xmlns="" w="9525">
                 <a:solidFill>
                   <a:srgbClr val="000000"/>
                 </a:solidFill>
@@ -3336,7 +3336,7 @@
           <a:ln/>
           <a:extLst>
             <a:ext uri="{91240B29-F687-4f45-9708-019B960494DF}">
-              <a14:hiddenLine xmlns="" xmlns:a14="http://schemas.microsoft.com/office/drawing/2010/main" w="9525">
+              <a14:hiddenLine xmlns:a14="http://schemas.microsoft.com/office/drawing/2010/main" xmlns="" w="9525">
                 <a:solidFill>
                   <a:srgbClr val="000000"/>
                 </a:solidFill>
@@ -3680,7 +3680,7 @@
           <a:ln/>
           <a:extLst>
             <a:ext uri="{91240B29-F687-4f45-9708-019B960494DF}">
-              <a14:hiddenLine xmlns="" xmlns:a14="http://schemas.microsoft.com/office/drawing/2010/main" w="9525">
+              <a14:hiddenLine xmlns:a14="http://schemas.microsoft.com/office/drawing/2010/main" xmlns="" w="9525">
                 <a:solidFill>
                   <a:srgbClr val="000000"/>
                 </a:solidFill>
@@ -4162,7 +4162,7 @@
           <a:ln/>
           <a:extLst>
             <a:ext uri="{91240B29-F687-4f45-9708-019B960494DF}">
-              <a14:hiddenLine xmlns="" xmlns:a14="http://schemas.microsoft.com/office/drawing/2010/main" w="9525">
+              <a14:hiddenLine xmlns:a14="http://schemas.microsoft.com/office/drawing/2010/main" xmlns="" w="9525">
                 <a:solidFill>
                   <a:srgbClr val="000000"/>
                 </a:solidFill>
@@ -4601,7 +4601,7 @@
           <a:ln/>
           <a:extLst>
             <a:ext uri="{91240B29-F687-4f45-9708-019B960494DF}">
-              <a14:hiddenLine xmlns="" xmlns:a14="http://schemas.microsoft.com/office/drawing/2010/main" w="9525">
+              <a14:hiddenLine xmlns:a14="http://schemas.microsoft.com/office/drawing/2010/main" xmlns="" w="9525">
                 <a:solidFill>
                   <a:srgbClr val="000000"/>
                 </a:solidFill>
@@ -6000,34 +6000,6 @@
       </p:sp>
       <p:pic>
         <p:nvPicPr>
-          <p:cNvPr id="7" name="Content Placeholder 7"/>
-          <p:cNvPicPr>
-            <a:picLocks noGrp="1" noChangeAspect="1"/>
-          </p:cNvPicPr>
-          <p:nvPr>
-            <p:ph idx="1"/>
-          </p:nvPr>
-        </p:nvPicPr>
-        <p:blipFill rotWithShape="1">
-          <a:blip r:embed="rId2">
-            <a:extLst>
-              <a:ext uri="{28A0092B-C50C-407E-A947-70E740481C1C}">
-                <a14:useLocalDpi xmlns:a14="http://schemas.microsoft.com/office/drawing/2010/main" val="0"/>
-              </a:ext>
-            </a:extLst>
-          </a:blip>
-          <a:srcRect l="1033" r="1254"/>
-          <a:stretch/>
-        </p:blipFill>
-        <p:spPr>
-          <a:xfrm>
-            <a:off x="8335429" y="1075765"/>
-            <a:ext cx="2610477" cy="4749426"/>
-          </a:xfrm>
-        </p:spPr>
-      </p:pic>
-      <p:pic>
-        <p:nvPicPr>
           <p:cNvPr id="3" name="Picture 2"/>
           <p:cNvPicPr>
             <a:picLocks noChangeAspect="1"/>
@@ -6055,6 +6027,25 @@
           </a:prstGeom>
         </p:spPr>
       </p:pic>
+      <p:sp>
+        <p:nvSpPr>
+          <p:cNvPr id="2" name="Text Placeholder 1"/>
+          <p:cNvSpPr>
+            <a:spLocks noGrp="1"/>
+          </p:cNvSpPr>
+          <p:nvPr>
+            <p:ph type="body" idx="1"/>
+          </p:nvPr>
+        </p:nvSpPr>
+        <p:spPr/>
+        <p:txBody>
+          <a:bodyPr/>
+          <a:lstStyle/>
+          <a:p>
+            <a:endParaRPr lang="en-US"/>
+          </a:p>
+        </p:txBody>
+      </p:sp>
     </p:spTree>
     <p:extLst>
       <p:ext uri="{BB962C8B-B14F-4D97-AF65-F5344CB8AC3E}">
@@ -6163,7 +6154,6 @@
               <a:rPr lang="en-US" sz="1800" dirty="0" smtClean="0"/>
               <a:t>Preferences</a:t>
             </a:r>
-            <a:endParaRPr lang="en-US" sz="1800" dirty="0" smtClean="0"/>
           </a:p>
           <a:p>
             <a:pPr marL="342900" indent="-342900">

--- a/Noms.pptx
+++ b/Noms.pptx
@@ -219,7 +219,7 @@
           <a:effectLst/>
           <a:extLst>
             <a:ext uri="{91240B29-F687-4f45-9708-019B960494DF}">
-              <a14:hiddenLine xmlns:a14="http://schemas.microsoft.com/office/drawing/2010/main" xmlns="" w="9525">
+              <a14:hiddenLine xmlns="" xmlns:a14="http://schemas.microsoft.com/office/drawing/2010/main" w="9525">
                 <a:solidFill>
                   <a:srgbClr val="000000"/>
                 </a:solidFill>
@@ -2132,7 +2132,7 @@
           <a:ln/>
           <a:extLst>
             <a:ext uri="{91240B29-F687-4f45-9708-019B960494DF}">
-              <a14:hiddenLine xmlns:a14="http://schemas.microsoft.com/office/drawing/2010/main" xmlns="" w="9525">
+              <a14:hiddenLine xmlns="" xmlns:a14="http://schemas.microsoft.com/office/drawing/2010/main" w="9525">
                 <a:solidFill>
                   <a:srgbClr val="000000"/>
                 </a:solidFill>
@@ -2412,7 +2412,7 @@
           <a:ln/>
           <a:extLst>
             <a:ext uri="{91240B29-F687-4f45-9708-019B960494DF}">
-              <a14:hiddenLine xmlns:a14="http://schemas.microsoft.com/office/drawing/2010/main" xmlns="" w="9525">
+              <a14:hiddenLine xmlns="" xmlns:a14="http://schemas.microsoft.com/office/drawing/2010/main" w="9525">
                 <a:solidFill>
                   <a:srgbClr val="000000"/>
                 </a:solidFill>
@@ -2700,7 +2700,7 @@
           <a:ln/>
           <a:extLst>
             <a:ext uri="{91240B29-F687-4f45-9708-019B960494DF}">
-              <a14:hiddenLine xmlns:a14="http://schemas.microsoft.com/office/drawing/2010/main" xmlns="" w="9525">
+              <a14:hiddenLine xmlns="" xmlns:a14="http://schemas.microsoft.com/office/drawing/2010/main" w="9525">
                 <a:solidFill>
                   <a:srgbClr val="000000"/>
                 </a:solidFill>
@@ -3336,7 +3336,7 @@
           <a:ln/>
           <a:extLst>
             <a:ext uri="{91240B29-F687-4f45-9708-019B960494DF}">
-              <a14:hiddenLine xmlns:a14="http://schemas.microsoft.com/office/drawing/2010/main" xmlns="" w="9525">
+              <a14:hiddenLine xmlns="" xmlns:a14="http://schemas.microsoft.com/office/drawing/2010/main" w="9525">
                 <a:solidFill>
                   <a:srgbClr val="000000"/>
                 </a:solidFill>
@@ -3680,7 +3680,7 @@
           <a:ln/>
           <a:extLst>
             <a:ext uri="{91240B29-F687-4f45-9708-019B960494DF}">
-              <a14:hiddenLine xmlns:a14="http://schemas.microsoft.com/office/drawing/2010/main" xmlns="" w="9525">
+              <a14:hiddenLine xmlns="" xmlns:a14="http://schemas.microsoft.com/office/drawing/2010/main" w="9525">
                 <a:solidFill>
                   <a:srgbClr val="000000"/>
                 </a:solidFill>
@@ -4162,7 +4162,7 @@
           <a:ln/>
           <a:extLst>
             <a:ext uri="{91240B29-F687-4f45-9708-019B960494DF}">
-              <a14:hiddenLine xmlns:a14="http://schemas.microsoft.com/office/drawing/2010/main" xmlns="" w="9525">
+              <a14:hiddenLine xmlns="" xmlns:a14="http://schemas.microsoft.com/office/drawing/2010/main" w="9525">
                 <a:solidFill>
                   <a:srgbClr val="000000"/>
                 </a:solidFill>
@@ -4601,7 +4601,7 @@
           <a:ln/>
           <a:extLst>
             <a:ext uri="{91240B29-F687-4f45-9708-019B960494DF}">
-              <a14:hiddenLine xmlns:a14="http://schemas.microsoft.com/office/drawing/2010/main" xmlns="" w="9525">
+              <a14:hiddenLine xmlns="" xmlns:a14="http://schemas.microsoft.com/office/drawing/2010/main" w="9525">
                 <a:solidFill>
                   <a:srgbClr val="000000"/>
                 </a:solidFill>
@@ -8309,6 +8309,36 @@
           </a:p>
         </p:txBody>
       </p:sp>
+      <p:pic>
+        <p:nvPicPr>
+          <p:cNvPr id="2" name="Picture 1"/>
+          <p:cNvPicPr>
+            <a:picLocks noChangeAspect="1"/>
+          </p:cNvPicPr>
+          <p:nvPr/>
+        </p:nvPicPr>
+        <p:blipFill>
+          <a:blip r:embed="rId2">
+            <a:extLst>
+              <a:ext uri="{28A0092B-C50C-407E-A947-70E740481C1C}">
+                <a14:useLocalDpi xmlns:a14="http://schemas.microsoft.com/office/drawing/2010/main" val="0"/>
+              </a:ext>
+            </a:extLst>
+          </a:blip>
+          <a:stretch>
+            <a:fillRect/>
+          </a:stretch>
+        </p:blipFill>
+        <p:spPr>
+          <a:xfrm>
+            <a:off x="4692720" y="3999995"/>
+            <a:ext cx="2806557" cy="2256252"/>
+          </a:xfrm>
+          <a:prstGeom prst="rect">
+            <a:avLst/>
+          </a:prstGeom>
+        </p:spPr>
+      </p:pic>
     </p:spTree>
     <p:extLst>
       <p:ext uri="{BB962C8B-B14F-4D97-AF65-F5344CB8AC3E}">
@@ -8331,229 +8361,622 @@
       </p:transition>
     </mc:Fallback>
   </mc:AlternateContent>
-  <p:timing>
-    <p:tnLst>
-      <p:par>
-        <p:cTn id="1" dur="indefinite" restart="never" nodeType="tmRoot">
-          <p:childTnLst>
-            <p:seq concurrent="1" nextAc="seek">
-              <p:cTn id="2" dur="indefinite" nodeType="mainSeq">
-                <p:childTnLst>
-                  <p:par>
-                    <p:cTn id="3" fill="hold">
-                      <p:stCondLst>
-                        <p:cond delay="indefinite"/>
-                      </p:stCondLst>
-                      <p:childTnLst>
-                        <p:par>
-                          <p:cTn id="4" fill="hold">
-                            <p:stCondLst>
-                              <p:cond delay="0"/>
-                            </p:stCondLst>
-                            <p:childTnLst>
-                              <p:par>
-                                <p:cTn id="5" presetID="47" presetClass="entr" presetSubtype="0" fill="hold" grpId="0" nodeType="clickEffect">
-                                  <p:stCondLst>
-                                    <p:cond delay="0"/>
-                                  </p:stCondLst>
-                                  <p:childTnLst>
-                                    <p:set>
-                                      <p:cBhvr>
-                                        <p:cTn id="6" dur="1" fill="hold">
-                                          <p:stCondLst>
-                                            <p:cond delay="0"/>
-                                          </p:stCondLst>
-                                        </p:cTn>
-                                        <p:tgtEl>
-                                          <p:spTgt spid="4"/>
-                                        </p:tgtEl>
-                                        <p:attrNameLst>
-                                          <p:attrName>style.visibility</p:attrName>
-                                        </p:attrNameLst>
-                                      </p:cBhvr>
-                                      <p:to>
-                                        <p:strVal val="visible"/>
-                                      </p:to>
-                                    </p:set>
-                                    <p:animEffect transition="in" filter="fade">
-                                      <p:cBhvr>
-                                        <p:cTn id="7" dur="500"/>
-                                        <p:tgtEl>
-                                          <p:spTgt spid="4"/>
-                                        </p:tgtEl>
-                                      </p:cBhvr>
-                                    </p:animEffect>
-                                    <p:anim calcmode="lin" valueType="num">
-                                      <p:cBhvr>
-                                        <p:cTn id="8" dur="500" fill="hold"/>
-                                        <p:tgtEl>
-                                          <p:spTgt spid="4"/>
-                                        </p:tgtEl>
-                                        <p:attrNameLst>
-                                          <p:attrName>ppt_x</p:attrName>
-                                        </p:attrNameLst>
-                                      </p:cBhvr>
-                                      <p:tavLst>
-                                        <p:tav tm="0">
-                                          <p:val>
-                                            <p:strVal val="#ppt_x"/>
-                                          </p:val>
-                                        </p:tav>
-                                        <p:tav tm="100000">
-                                          <p:val>
-                                            <p:strVal val="#ppt_x"/>
-                                          </p:val>
-                                        </p:tav>
-                                      </p:tavLst>
-                                    </p:anim>
-                                    <p:anim calcmode="lin" valueType="num">
-                                      <p:cBhvr>
-                                        <p:cTn id="9" dur="500" fill="hold"/>
-                                        <p:tgtEl>
-                                          <p:spTgt spid="4"/>
-                                        </p:tgtEl>
-                                        <p:attrNameLst>
-                                          <p:attrName>ppt_y</p:attrName>
-                                        </p:attrNameLst>
-                                      </p:cBhvr>
-                                      <p:tavLst>
-                                        <p:tav tm="0">
-                                          <p:val>
-                                            <p:strVal val="#ppt_y-.1"/>
-                                          </p:val>
-                                        </p:tav>
-                                        <p:tav tm="100000">
-                                          <p:val>
-                                            <p:strVal val="#ppt_y"/>
-                                          </p:val>
-                                        </p:tav>
-                                      </p:tavLst>
-                                    </p:anim>
-                                  </p:childTnLst>
-                                </p:cTn>
-                              </p:par>
-                            </p:childTnLst>
-                          </p:cTn>
-                        </p:par>
-                        <p:par>
-                          <p:cTn id="10" fill="hold">
-                            <p:stCondLst>
-                              <p:cond delay="500"/>
-                            </p:stCondLst>
-                            <p:childTnLst>
-                              <p:par>
-                                <p:cTn id="11" presetID="42" presetClass="entr" presetSubtype="0" fill="hold" grpId="0" nodeType="afterEffect">
-                                  <p:stCondLst>
-                                    <p:cond delay="500"/>
-                                  </p:stCondLst>
-                                  <p:childTnLst>
-                                    <p:set>
-                                      <p:cBhvr>
-                                        <p:cTn id="12" dur="1" fill="hold">
-                                          <p:stCondLst>
-                                            <p:cond delay="0"/>
-                                          </p:stCondLst>
-                                        </p:cTn>
-                                        <p:tgtEl>
-                                          <p:spTgt spid="3"/>
-                                        </p:tgtEl>
-                                        <p:attrNameLst>
-                                          <p:attrName>style.visibility</p:attrName>
-                                        </p:attrNameLst>
-                                      </p:cBhvr>
-                                      <p:to>
-                                        <p:strVal val="visible"/>
-                                      </p:to>
-                                    </p:set>
-                                    <p:animEffect transition="in" filter="fade">
-                                      <p:cBhvr>
-                                        <p:cTn id="13" dur="500"/>
-                                        <p:tgtEl>
-                                          <p:spTgt spid="3"/>
-                                        </p:tgtEl>
-                                      </p:cBhvr>
-                                    </p:animEffect>
-                                    <p:anim calcmode="lin" valueType="num">
-                                      <p:cBhvr>
-                                        <p:cTn id="14" dur="500" fill="hold"/>
-                                        <p:tgtEl>
-                                          <p:spTgt spid="3"/>
-                                        </p:tgtEl>
-                                        <p:attrNameLst>
-                                          <p:attrName>ppt_x</p:attrName>
-                                        </p:attrNameLst>
-                                      </p:cBhvr>
-                                      <p:tavLst>
-                                        <p:tav tm="0">
-                                          <p:val>
-                                            <p:strVal val="#ppt_x"/>
-                                          </p:val>
-                                        </p:tav>
-                                        <p:tav tm="100000">
-                                          <p:val>
-                                            <p:strVal val="#ppt_x"/>
-                                          </p:val>
-                                        </p:tav>
-                                      </p:tavLst>
-                                    </p:anim>
-                                    <p:anim calcmode="lin" valueType="num">
-                                      <p:cBhvr>
-                                        <p:cTn id="15" dur="500" fill="hold"/>
-                                        <p:tgtEl>
-                                          <p:spTgt spid="3"/>
-                                        </p:tgtEl>
-                                        <p:attrNameLst>
-                                          <p:attrName>ppt_y</p:attrName>
-                                        </p:attrNameLst>
-                                      </p:cBhvr>
-                                      <p:tavLst>
-                                        <p:tav tm="0">
-                                          <p:val>
-                                            <p:strVal val="#ppt_y+.1"/>
-                                          </p:val>
-                                        </p:tav>
-                                        <p:tav tm="100000">
-                                          <p:val>
-                                            <p:strVal val="#ppt_y"/>
-                                          </p:val>
-                                        </p:tav>
-                                      </p:tavLst>
-                                    </p:anim>
-                                  </p:childTnLst>
-                                </p:cTn>
-                              </p:par>
-                            </p:childTnLst>
-                          </p:cTn>
-                        </p:par>
-                      </p:childTnLst>
-                    </p:cTn>
-                  </p:par>
-                </p:childTnLst>
-              </p:cTn>
-              <p:prevCondLst>
-                <p:cond evt="onPrev" delay="0">
-                  <p:tgtEl>
-                    <p:sldTgt/>
-                  </p:tgtEl>
-                </p:cond>
-              </p:prevCondLst>
-              <p:nextCondLst>
-                <p:cond evt="onNext" delay="0">
-                  <p:tgtEl>
-                    <p:sldTgt/>
-                  </p:tgtEl>
-                </p:cond>
-              </p:nextCondLst>
-            </p:seq>
-          </p:childTnLst>
-        </p:cTn>
-      </p:par>
-    </p:tnLst>
-    <p:bldLst>
-      <p:bldP spid="3" grpId="0"/>
-      <p:bldP spid="4" grpId="0"/>
-    </p:bldLst>
-  </p:timing>
+  <mc:AlternateContent xmlns:mc="http://schemas.openxmlformats.org/markup-compatibility/2006">
+    <mc:Choice xmlns:p14="http://schemas.microsoft.com/office/powerpoint/2010/main" Requires="p14">
+      <p:timing>
+        <p:tnLst>
+          <p:par>
+            <p:cTn id="1" dur="indefinite" restart="never" nodeType="tmRoot">
+              <p:childTnLst>
+                <p:seq concurrent="1" nextAc="seek">
+                  <p:cTn id="2" dur="indefinite" nodeType="mainSeq">
+                    <p:childTnLst>
+                      <p:par>
+                        <p:cTn id="3" fill="hold">
+                          <p:stCondLst>
+                            <p:cond delay="indefinite"/>
+                          </p:stCondLst>
+                          <p:childTnLst>
+                            <p:par>
+                              <p:cTn id="4" fill="hold">
+                                <p:stCondLst>
+                                  <p:cond delay="0"/>
+                                </p:stCondLst>
+                                <p:childTnLst>
+                                  <p:par>
+                                    <p:cTn id="5" presetID="47" presetClass="entr" presetSubtype="0" fill="hold" grpId="0" nodeType="clickEffect">
+                                      <p:stCondLst>
+                                        <p:cond delay="0"/>
+                                      </p:stCondLst>
+                                      <p:childTnLst>
+                                        <p:set>
+                                          <p:cBhvr>
+                                            <p:cTn id="6" dur="1" fill="hold">
+                                              <p:stCondLst>
+                                                <p:cond delay="0"/>
+                                              </p:stCondLst>
+                                            </p:cTn>
+                                            <p:tgtEl>
+                                              <p:spTgt spid="4"/>
+                                            </p:tgtEl>
+                                            <p:attrNameLst>
+                                              <p:attrName>style.visibility</p:attrName>
+                                            </p:attrNameLst>
+                                          </p:cBhvr>
+                                          <p:to>
+                                            <p:strVal val="visible"/>
+                                          </p:to>
+                                        </p:set>
+                                        <p:animEffect transition="in" filter="fade">
+                                          <p:cBhvr>
+                                            <p:cTn id="7" dur="500"/>
+                                            <p:tgtEl>
+                                              <p:spTgt spid="4"/>
+                                            </p:tgtEl>
+                                          </p:cBhvr>
+                                        </p:animEffect>
+                                        <p:anim calcmode="lin" valueType="num">
+                                          <p:cBhvr>
+                                            <p:cTn id="8" dur="500" fill="hold"/>
+                                            <p:tgtEl>
+                                              <p:spTgt spid="4"/>
+                                            </p:tgtEl>
+                                            <p:attrNameLst>
+                                              <p:attrName>ppt_x</p:attrName>
+                                            </p:attrNameLst>
+                                          </p:cBhvr>
+                                          <p:tavLst>
+                                            <p:tav tm="0">
+                                              <p:val>
+                                                <p:strVal val="#ppt_x"/>
+                                              </p:val>
+                                            </p:tav>
+                                            <p:tav tm="100000">
+                                              <p:val>
+                                                <p:strVal val="#ppt_x"/>
+                                              </p:val>
+                                            </p:tav>
+                                          </p:tavLst>
+                                        </p:anim>
+                                        <p:anim calcmode="lin" valueType="num">
+                                          <p:cBhvr>
+                                            <p:cTn id="9" dur="500" fill="hold"/>
+                                            <p:tgtEl>
+                                              <p:spTgt spid="4"/>
+                                            </p:tgtEl>
+                                            <p:attrNameLst>
+                                              <p:attrName>ppt_y</p:attrName>
+                                            </p:attrNameLst>
+                                          </p:cBhvr>
+                                          <p:tavLst>
+                                            <p:tav tm="0">
+                                              <p:val>
+                                                <p:strVal val="#ppt_y-.1"/>
+                                              </p:val>
+                                            </p:tav>
+                                            <p:tav tm="100000">
+                                              <p:val>
+                                                <p:strVal val="#ppt_y"/>
+                                              </p:val>
+                                            </p:tav>
+                                          </p:tavLst>
+                                        </p:anim>
+                                      </p:childTnLst>
+                                    </p:cTn>
+                                  </p:par>
+                                </p:childTnLst>
+                              </p:cTn>
+                            </p:par>
+                            <p:par>
+                              <p:cTn id="10" fill="hold">
+                                <p:stCondLst>
+                                  <p:cond delay="500"/>
+                                </p:stCondLst>
+                                <p:childTnLst>
+                                  <p:par>
+                                    <p:cTn id="11" presetID="42" presetClass="entr" presetSubtype="0" fill="hold" grpId="0" nodeType="afterEffect">
+                                      <p:stCondLst>
+                                        <p:cond delay="500"/>
+                                      </p:stCondLst>
+                                      <p:childTnLst>
+                                        <p:set>
+                                          <p:cBhvr>
+                                            <p:cTn id="12" dur="1" fill="hold">
+                                              <p:stCondLst>
+                                                <p:cond delay="0"/>
+                                              </p:stCondLst>
+                                            </p:cTn>
+                                            <p:tgtEl>
+                                              <p:spTgt spid="3"/>
+                                            </p:tgtEl>
+                                            <p:attrNameLst>
+                                              <p:attrName>style.visibility</p:attrName>
+                                            </p:attrNameLst>
+                                          </p:cBhvr>
+                                          <p:to>
+                                            <p:strVal val="visible"/>
+                                          </p:to>
+                                        </p:set>
+                                        <p:animEffect transition="in" filter="fade">
+                                          <p:cBhvr>
+                                            <p:cTn id="13" dur="500"/>
+                                            <p:tgtEl>
+                                              <p:spTgt spid="3"/>
+                                            </p:tgtEl>
+                                          </p:cBhvr>
+                                        </p:animEffect>
+                                        <p:anim calcmode="lin" valueType="num">
+                                          <p:cBhvr>
+                                            <p:cTn id="14" dur="500" fill="hold"/>
+                                            <p:tgtEl>
+                                              <p:spTgt spid="3"/>
+                                            </p:tgtEl>
+                                            <p:attrNameLst>
+                                              <p:attrName>ppt_x</p:attrName>
+                                            </p:attrNameLst>
+                                          </p:cBhvr>
+                                          <p:tavLst>
+                                            <p:tav tm="0">
+                                              <p:val>
+                                                <p:strVal val="#ppt_x"/>
+                                              </p:val>
+                                            </p:tav>
+                                            <p:tav tm="100000">
+                                              <p:val>
+                                                <p:strVal val="#ppt_x"/>
+                                              </p:val>
+                                            </p:tav>
+                                          </p:tavLst>
+                                        </p:anim>
+                                        <p:anim calcmode="lin" valueType="num">
+                                          <p:cBhvr>
+                                            <p:cTn id="15" dur="500" fill="hold"/>
+                                            <p:tgtEl>
+                                              <p:spTgt spid="3"/>
+                                            </p:tgtEl>
+                                            <p:attrNameLst>
+                                              <p:attrName>ppt_y</p:attrName>
+                                            </p:attrNameLst>
+                                          </p:cBhvr>
+                                          <p:tavLst>
+                                            <p:tav tm="0">
+                                              <p:val>
+                                                <p:strVal val="#ppt_y+.1"/>
+                                              </p:val>
+                                            </p:tav>
+                                            <p:tav tm="100000">
+                                              <p:val>
+                                                <p:strVal val="#ppt_y"/>
+                                              </p:val>
+                                            </p:tav>
+                                          </p:tavLst>
+                                        </p:anim>
+                                      </p:childTnLst>
+                                    </p:cTn>
+                                  </p:par>
+                                </p:childTnLst>
+                              </p:cTn>
+                            </p:par>
+                            <p:par>
+                              <p:cTn id="16" fill="hold">
+                                <p:stCondLst>
+                                  <p:cond delay="1500"/>
+                                </p:stCondLst>
+                                <p:childTnLst>
+                                  <p:par>
+                                    <p:cTn id="17" presetID="2" presetClass="entr" presetSubtype="2" accel="41000" fill="hold" nodeType="afterEffect" p14:presetBounceEnd="60000">
+                                      <p:stCondLst>
+                                        <p:cond delay="0"/>
+                                      </p:stCondLst>
+                                      <p:childTnLst>
+                                        <p:set>
+                                          <p:cBhvr>
+                                            <p:cTn id="18" dur="1" fill="hold">
+                                              <p:stCondLst>
+                                                <p:cond delay="0"/>
+                                              </p:stCondLst>
+                                            </p:cTn>
+                                            <p:tgtEl>
+                                              <p:spTgt spid="2"/>
+                                            </p:tgtEl>
+                                            <p:attrNameLst>
+                                              <p:attrName>style.visibility</p:attrName>
+                                            </p:attrNameLst>
+                                          </p:cBhvr>
+                                          <p:to>
+                                            <p:strVal val="visible"/>
+                                          </p:to>
+                                        </p:set>
+                                        <p:anim calcmode="lin" valueType="num" p14:bounceEnd="60000">
+                                          <p:cBhvr additive="base">
+                                            <p:cTn id="19" dur="1000" fill="hold"/>
+                                            <p:tgtEl>
+                                              <p:spTgt spid="2"/>
+                                            </p:tgtEl>
+                                            <p:attrNameLst>
+                                              <p:attrName>ppt_x</p:attrName>
+                                            </p:attrNameLst>
+                                          </p:cBhvr>
+                                          <p:tavLst>
+                                            <p:tav tm="0">
+                                              <p:val>
+                                                <p:strVal val="1+#ppt_w/2"/>
+                                              </p:val>
+                                            </p:tav>
+                                            <p:tav tm="100000">
+                                              <p:val>
+                                                <p:strVal val="#ppt_x"/>
+                                              </p:val>
+                                            </p:tav>
+                                          </p:tavLst>
+                                        </p:anim>
+                                        <p:anim calcmode="lin" valueType="num" p14:bounceEnd="60000">
+                                          <p:cBhvr additive="base">
+                                            <p:cTn id="20" dur="1000" fill="hold"/>
+                                            <p:tgtEl>
+                                              <p:spTgt spid="2"/>
+                                            </p:tgtEl>
+                                            <p:attrNameLst>
+                                              <p:attrName>ppt_y</p:attrName>
+                                            </p:attrNameLst>
+                                          </p:cBhvr>
+                                          <p:tavLst>
+                                            <p:tav tm="0">
+                                              <p:val>
+                                                <p:strVal val="#ppt_y"/>
+                                              </p:val>
+                                            </p:tav>
+                                            <p:tav tm="100000">
+                                              <p:val>
+                                                <p:strVal val="#ppt_y"/>
+                                              </p:val>
+                                            </p:tav>
+                                          </p:tavLst>
+                                        </p:anim>
+                                      </p:childTnLst>
+                                    </p:cTn>
+                                  </p:par>
+                                </p:childTnLst>
+                              </p:cTn>
+                            </p:par>
+                          </p:childTnLst>
+                        </p:cTn>
+                      </p:par>
+                    </p:childTnLst>
+                  </p:cTn>
+                  <p:prevCondLst>
+                    <p:cond evt="onPrev" delay="0">
+                      <p:tgtEl>
+                        <p:sldTgt/>
+                      </p:tgtEl>
+                    </p:cond>
+                  </p:prevCondLst>
+                  <p:nextCondLst>
+                    <p:cond evt="onNext" delay="0">
+                      <p:tgtEl>
+                        <p:sldTgt/>
+                      </p:tgtEl>
+                    </p:cond>
+                  </p:nextCondLst>
+                </p:seq>
+              </p:childTnLst>
+            </p:cTn>
+          </p:par>
+        </p:tnLst>
+        <p:bldLst>
+          <p:bldP spid="3" grpId="0"/>
+          <p:bldP spid="4" grpId="0"/>
+        </p:bldLst>
+      </p:timing>
+    </mc:Choice>
+    <mc:Fallback>
+      <p:timing>
+        <p:tnLst>
+          <p:par>
+            <p:cTn id="1" dur="indefinite" restart="never" nodeType="tmRoot">
+              <p:childTnLst>
+                <p:seq concurrent="1" nextAc="seek">
+                  <p:cTn id="2" dur="indefinite" nodeType="mainSeq">
+                    <p:childTnLst>
+                      <p:par>
+                        <p:cTn id="3" fill="hold">
+                          <p:stCondLst>
+                            <p:cond delay="indefinite"/>
+                          </p:stCondLst>
+                          <p:childTnLst>
+                            <p:par>
+                              <p:cTn id="4" fill="hold">
+                                <p:stCondLst>
+                                  <p:cond delay="0"/>
+                                </p:stCondLst>
+                                <p:childTnLst>
+                                  <p:par>
+                                    <p:cTn id="5" presetID="47" presetClass="entr" presetSubtype="0" fill="hold" grpId="0" nodeType="clickEffect">
+                                      <p:stCondLst>
+                                        <p:cond delay="0"/>
+                                      </p:stCondLst>
+                                      <p:childTnLst>
+                                        <p:set>
+                                          <p:cBhvr>
+                                            <p:cTn id="6" dur="1" fill="hold">
+                                              <p:stCondLst>
+                                                <p:cond delay="0"/>
+                                              </p:stCondLst>
+                                            </p:cTn>
+                                            <p:tgtEl>
+                                              <p:spTgt spid="4"/>
+                                            </p:tgtEl>
+                                            <p:attrNameLst>
+                                              <p:attrName>style.visibility</p:attrName>
+                                            </p:attrNameLst>
+                                          </p:cBhvr>
+                                          <p:to>
+                                            <p:strVal val="visible"/>
+                                          </p:to>
+                                        </p:set>
+                                        <p:animEffect transition="in" filter="fade">
+                                          <p:cBhvr>
+                                            <p:cTn id="7" dur="500"/>
+                                            <p:tgtEl>
+                                              <p:spTgt spid="4"/>
+                                            </p:tgtEl>
+                                          </p:cBhvr>
+                                        </p:animEffect>
+                                        <p:anim calcmode="lin" valueType="num">
+                                          <p:cBhvr>
+                                            <p:cTn id="8" dur="500" fill="hold"/>
+                                            <p:tgtEl>
+                                              <p:spTgt spid="4"/>
+                                            </p:tgtEl>
+                                            <p:attrNameLst>
+                                              <p:attrName>ppt_x</p:attrName>
+                                            </p:attrNameLst>
+                                          </p:cBhvr>
+                                          <p:tavLst>
+                                            <p:tav tm="0">
+                                              <p:val>
+                                                <p:strVal val="#ppt_x"/>
+                                              </p:val>
+                                            </p:tav>
+                                            <p:tav tm="100000">
+                                              <p:val>
+                                                <p:strVal val="#ppt_x"/>
+                                              </p:val>
+                                            </p:tav>
+                                          </p:tavLst>
+                                        </p:anim>
+                                        <p:anim calcmode="lin" valueType="num">
+                                          <p:cBhvr>
+                                            <p:cTn id="9" dur="500" fill="hold"/>
+                                            <p:tgtEl>
+                                              <p:spTgt spid="4"/>
+                                            </p:tgtEl>
+                                            <p:attrNameLst>
+                                              <p:attrName>ppt_y</p:attrName>
+                                            </p:attrNameLst>
+                                          </p:cBhvr>
+                                          <p:tavLst>
+                                            <p:tav tm="0">
+                                              <p:val>
+                                                <p:strVal val="#ppt_y-.1"/>
+                                              </p:val>
+                                            </p:tav>
+                                            <p:tav tm="100000">
+                                              <p:val>
+                                                <p:strVal val="#ppt_y"/>
+                                              </p:val>
+                                            </p:tav>
+                                          </p:tavLst>
+                                        </p:anim>
+                                      </p:childTnLst>
+                                    </p:cTn>
+                                  </p:par>
+                                </p:childTnLst>
+                              </p:cTn>
+                            </p:par>
+                            <p:par>
+                              <p:cTn id="10" fill="hold">
+                                <p:stCondLst>
+                                  <p:cond delay="500"/>
+                                </p:stCondLst>
+                                <p:childTnLst>
+                                  <p:par>
+                                    <p:cTn id="11" presetID="42" presetClass="entr" presetSubtype="0" fill="hold" grpId="0" nodeType="afterEffect">
+                                      <p:stCondLst>
+                                        <p:cond delay="500"/>
+                                      </p:stCondLst>
+                                      <p:childTnLst>
+                                        <p:set>
+                                          <p:cBhvr>
+                                            <p:cTn id="12" dur="1" fill="hold">
+                                              <p:stCondLst>
+                                                <p:cond delay="0"/>
+                                              </p:stCondLst>
+                                            </p:cTn>
+                                            <p:tgtEl>
+                                              <p:spTgt spid="3"/>
+                                            </p:tgtEl>
+                                            <p:attrNameLst>
+                                              <p:attrName>style.visibility</p:attrName>
+                                            </p:attrNameLst>
+                                          </p:cBhvr>
+                                          <p:to>
+                                            <p:strVal val="visible"/>
+                                          </p:to>
+                                        </p:set>
+                                        <p:animEffect transition="in" filter="fade">
+                                          <p:cBhvr>
+                                            <p:cTn id="13" dur="500"/>
+                                            <p:tgtEl>
+                                              <p:spTgt spid="3"/>
+                                            </p:tgtEl>
+                                          </p:cBhvr>
+                                        </p:animEffect>
+                                        <p:anim calcmode="lin" valueType="num">
+                                          <p:cBhvr>
+                                            <p:cTn id="14" dur="500" fill="hold"/>
+                                            <p:tgtEl>
+                                              <p:spTgt spid="3"/>
+                                            </p:tgtEl>
+                                            <p:attrNameLst>
+                                              <p:attrName>ppt_x</p:attrName>
+                                            </p:attrNameLst>
+                                          </p:cBhvr>
+                                          <p:tavLst>
+                                            <p:tav tm="0">
+                                              <p:val>
+                                                <p:strVal val="#ppt_x"/>
+                                              </p:val>
+                                            </p:tav>
+                                            <p:tav tm="100000">
+                                              <p:val>
+                                                <p:strVal val="#ppt_x"/>
+                                              </p:val>
+                                            </p:tav>
+                                          </p:tavLst>
+                                        </p:anim>
+                                        <p:anim calcmode="lin" valueType="num">
+                                          <p:cBhvr>
+                                            <p:cTn id="15" dur="500" fill="hold"/>
+                                            <p:tgtEl>
+                                              <p:spTgt spid="3"/>
+                                            </p:tgtEl>
+                                            <p:attrNameLst>
+                                              <p:attrName>ppt_y</p:attrName>
+                                            </p:attrNameLst>
+                                          </p:cBhvr>
+                                          <p:tavLst>
+                                            <p:tav tm="0">
+                                              <p:val>
+                                                <p:strVal val="#ppt_y+.1"/>
+                                              </p:val>
+                                            </p:tav>
+                                            <p:tav tm="100000">
+                                              <p:val>
+                                                <p:strVal val="#ppt_y"/>
+                                              </p:val>
+                                            </p:tav>
+                                          </p:tavLst>
+                                        </p:anim>
+                                      </p:childTnLst>
+                                    </p:cTn>
+                                  </p:par>
+                                </p:childTnLst>
+                              </p:cTn>
+                            </p:par>
+                            <p:par>
+                              <p:cTn id="16" fill="hold">
+                                <p:stCondLst>
+                                  <p:cond delay="1500"/>
+                                </p:stCondLst>
+                                <p:childTnLst>
+                                  <p:par>
+                                    <p:cTn id="17" presetID="2" presetClass="entr" presetSubtype="2" accel="41000" fill="hold" nodeType="afterEffect">
+                                      <p:stCondLst>
+                                        <p:cond delay="0"/>
+                                      </p:stCondLst>
+                                      <p:childTnLst>
+                                        <p:set>
+                                          <p:cBhvr>
+                                            <p:cTn id="18" dur="1" fill="hold">
+                                              <p:stCondLst>
+                                                <p:cond delay="0"/>
+                                              </p:stCondLst>
+                                            </p:cTn>
+                                            <p:tgtEl>
+                                              <p:spTgt spid="2"/>
+                                            </p:tgtEl>
+                                            <p:attrNameLst>
+                                              <p:attrName>style.visibility</p:attrName>
+                                            </p:attrNameLst>
+                                          </p:cBhvr>
+                                          <p:to>
+                                            <p:strVal val="visible"/>
+                                          </p:to>
+                                        </p:set>
+                                        <p:anim calcmode="lin" valueType="num">
+                                          <p:cBhvr additive="base">
+                                            <p:cTn id="19" dur="1000" fill="hold"/>
+                                            <p:tgtEl>
+                                              <p:spTgt spid="2"/>
+                                            </p:tgtEl>
+                                            <p:attrNameLst>
+                                              <p:attrName>ppt_x</p:attrName>
+                                            </p:attrNameLst>
+                                          </p:cBhvr>
+                                          <p:tavLst>
+                                            <p:tav tm="0">
+                                              <p:val>
+                                                <p:strVal val="1+#ppt_w/2"/>
+                                              </p:val>
+                                            </p:tav>
+                                            <p:tav tm="100000">
+                                              <p:val>
+                                                <p:strVal val="#ppt_x"/>
+                                              </p:val>
+                                            </p:tav>
+                                          </p:tavLst>
+                                        </p:anim>
+                                        <p:anim calcmode="lin" valueType="num">
+                                          <p:cBhvr additive="base">
+                                            <p:cTn id="20" dur="1000" fill="hold"/>
+                                            <p:tgtEl>
+                                              <p:spTgt spid="2"/>
+                                            </p:tgtEl>
+                                            <p:attrNameLst>
+                                              <p:attrName>ppt_y</p:attrName>
+                                            </p:attrNameLst>
+                                          </p:cBhvr>
+                                          <p:tavLst>
+                                            <p:tav tm="0">
+                                              <p:val>
+                                                <p:strVal val="#ppt_y"/>
+                                              </p:val>
+                                            </p:tav>
+                                            <p:tav tm="100000">
+                                              <p:val>
+                                                <p:strVal val="#ppt_y"/>
+                                              </p:val>
+                                            </p:tav>
+                                          </p:tavLst>
+                                        </p:anim>
+                                      </p:childTnLst>
+                                    </p:cTn>
+                                  </p:par>
+                                </p:childTnLst>
+                              </p:cTn>
+                            </p:par>
+                          </p:childTnLst>
+                        </p:cTn>
+                      </p:par>
+                    </p:childTnLst>
+                  </p:cTn>
+                  <p:prevCondLst>
+                    <p:cond evt="onPrev" delay="0">
+                      <p:tgtEl>
+                        <p:sldTgt/>
+                      </p:tgtEl>
+                    </p:cond>
+                  </p:prevCondLst>
+                  <p:nextCondLst>
+                    <p:cond evt="onNext" delay="0">
+                      <p:tgtEl>
+                        <p:sldTgt/>
+                      </p:tgtEl>
+                    </p:cond>
+                  </p:nextCondLst>
+                </p:seq>
+              </p:childTnLst>
+            </p:cTn>
+          </p:par>
+        </p:tnLst>
+        <p:bldLst>
+          <p:bldP spid="3" grpId="0"/>
+          <p:bldP spid="4" grpId="0"/>
+        </p:bldLst>
+      </p:timing>
+    </mc:Fallback>
+  </mc:AlternateContent>
 </p:sld>
 </file>
 
@@ -9015,9 +9438,14 @@
               <a:buChar char="o"/>
             </a:pPr>
             <a:r>
+              <a:rPr lang="en-US" sz="2000" dirty="0"/>
+              <a:t>Data </a:t>
+            </a:r>
+            <a:r>
               <a:rPr lang="en-US" sz="2000" dirty="0" smtClean="0"/>
-              <a:t>Cosine similarity scoring</a:t>
-            </a:r>
+              <a:t>curation</a:t>
+            </a:r>
+            <a:endParaRPr lang="en-US" sz="2000" dirty="0" smtClean="0"/>
           </a:p>
           <a:p>
             <a:pPr marL="342900" indent="-342900">
@@ -9026,7 +9454,11 @@
             </a:pPr>
             <a:r>
               <a:rPr lang="en-US" sz="2000" dirty="0" smtClean="0"/>
-              <a:t>Data curation</a:t>
+              <a:t>Cosine </a:t>
+            </a:r>
+            <a:r>
+              <a:rPr lang="en-US" sz="2000" dirty="0" smtClean="0"/>
+              <a:t>similarity scoring</a:t>
             </a:r>
           </a:p>
           <a:p>

--- a/Noms.pptx
+++ b/Noms.pptx
@@ -8,16 +8,18 @@
     <p:sldId id="256" r:id="rId2"/>
     <p:sldId id="257" r:id="rId3"/>
     <p:sldId id="258" r:id="rId4"/>
-    <p:sldId id="259" r:id="rId5"/>
-    <p:sldId id="260" r:id="rId6"/>
-    <p:sldId id="261" r:id="rId7"/>
-    <p:sldId id="262" r:id="rId8"/>
-    <p:sldId id="263" r:id="rId9"/>
-    <p:sldId id="264" r:id="rId10"/>
-    <p:sldId id="265" r:id="rId11"/>
-    <p:sldId id="266" r:id="rId12"/>
-    <p:sldId id="267" r:id="rId13"/>
-    <p:sldId id="268" r:id="rId14"/>
+    <p:sldId id="269" r:id="rId5"/>
+    <p:sldId id="259" r:id="rId6"/>
+    <p:sldId id="260" r:id="rId7"/>
+    <p:sldId id="261" r:id="rId8"/>
+    <p:sldId id="262" r:id="rId9"/>
+    <p:sldId id="263" r:id="rId10"/>
+    <p:sldId id="264" r:id="rId11"/>
+    <p:sldId id="265" r:id="rId12"/>
+    <p:sldId id="266" r:id="rId13"/>
+    <p:sldId id="270" r:id="rId14"/>
+    <p:sldId id="267" r:id="rId15"/>
+    <p:sldId id="268" r:id="rId16"/>
   </p:sldIdLst>
   <p:sldSz cx="12192000" cy="6858000"/>
   <p:notesSz cx="6858000" cy="9144000"/>
@@ -219,7 +221,7 @@
           <a:effectLst/>
           <a:extLst>
             <a:ext uri="{91240B29-F687-4f45-9708-019B960494DF}">
-              <a14:hiddenLine xmlns="" xmlns:a14="http://schemas.microsoft.com/office/drawing/2010/main" w="9525">
+              <a14:hiddenLine xmlns:a14="http://schemas.microsoft.com/office/drawing/2010/main" xmlns="" w="9525">
                 <a:solidFill>
                   <a:srgbClr val="000000"/>
                 </a:solidFill>
@@ -2132,7 +2134,7 @@
           <a:ln/>
           <a:extLst>
             <a:ext uri="{91240B29-F687-4f45-9708-019B960494DF}">
-              <a14:hiddenLine xmlns="" xmlns:a14="http://schemas.microsoft.com/office/drawing/2010/main" w="9525">
+              <a14:hiddenLine xmlns:a14="http://schemas.microsoft.com/office/drawing/2010/main" xmlns="" w="9525">
                 <a:solidFill>
                   <a:srgbClr val="000000"/>
                 </a:solidFill>
@@ -2412,7 +2414,7 @@
           <a:ln/>
           <a:extLst>
             <a:ext uri="{91240B29-F687-4f45-9708-019B960494DF}">
-              <a14:hiddenLine xmlns="" xmlns:a14="http://schemas.microsoft.com/office/drawing/2010/main" w="9525">
+              <a14:hiddenLine xmlns:a14="http://schemas.microsoft.com/office/drawing/2010/main" xmlns="" w="9525">
                 <a:solidFill>
                   <a:srgbClr val="000000"/>
                 </a:solidFill>
@@ -2700,7 +2702,7 @@
           <a:ln/>
           <a:extLst>
             <a:ext uri="{91240B29-F687-4f45-9708-019B960494DF}">
-              <a14:hiddenLine xmlns="" xmlns:a14="http://schemas.microsoft.com/office/drawing/2010/main" w="9525">
+              <a14:hiddenLine xmlns:a14="http://schemas.microsoft.com/office/drawing/2010/main" xmlns="" w="9525">
                 <a:solidFill>
                   <a:srgbClr val="000000"/>
                 </a:solidFill>
@@ -3336,7 +3338,7 @@
           <a:ln/>
           <a:extLst>
             <a:ext uri="{91240B29-F687-4f45-9708-019B960494DF}">
-              <a14:hiddenLine xmlns="" xmlns:a14="http://schemas.microsoft.com/office/drawing/2010/main" w="9525">
+              <a14:hiddenLine xmlns:a14="http://schemas.microsoft.com/office/drawing/2010/main" xmlns="" w="9525">
                 <a:solidFill>
                   <a:srgbClr val="000000"/>
                 </a:solidFill>
@@ -3680,7 +3682,7 @@
           <a:ln/>
           <a:extLst>
             <a:ext uri="{91240B29-F687-4f45-9708-019B960494DF}">
-              <a14:hiddenLine xmlns="" xmlns:a14="http://schemas.microsoft.com/office/drawing/2010/main" w="9525">
+              <a14:hiddenLine xmlns:a14="http://schemas.microsoft.com/office/drawing/2010/main" xmlns="" w="9525">
                 <a:solidFill>
                   <a:srgbClr val="000000"/>
                 </a:solidFill>
@@ -4162,7 +4164,7 @@
           <a:ln/>
           <a:extLst>
             <a:ext uri="{91240B29-F687-4f45-9708-019B960494DF}">
-              <a14:hiddenLine xmlns="" xmlns:a14="http://schemas.microsoft.com/office/drawing/2010/main" w="9525">
+              <a14:hiddenLine xmlns:a14="http://schemas.microsoft.com/office/drawing/2010/main" xmlns="" w="9525">
                 <a:solidFill>
                   <a:srgbClr val="000000"/>
                 </a:solidFill>
@@ -4601,7 +4603,7 @@
           <a:ln/>
           <a:extLst>
             <a:ext uri="{91240B29-F687-4f45-9708-019B960494DF}">
-              <a14:hiddenLine xmlns="" xmlns:a14="http://schemas.microsoft.com/office/drawing/2010/main" w="9525">
+              <a14:hiddenLine xmlns:a14="http://schemas.microsoft.com/office/drawing/2010/main" xmlns="" w="9525">
                 <a:solidFill>
                   <a:srgbClr val="000000"/>
                 </a:solidFill>
@@ -5950,7 +5952,7 @@
       </p:grpSpPr>
       <p:sp>
         <p:nvSpPr>
-          <p:cNvPr id="4" name="Title 3"/>
+          <p:cNvPr id="2" name="Title 1"/>
           <p:cNvSpPr>
             <a:spLocks noGrp="1"/>
           </p:cNvSpPr>
@@ -5964,49 +5966,24 @@
           <a:lstStyle/>
           <a:p>
             <a:r>
-              <a:rPr lang="en-US" sz="3500" dirty="0"/>
-              <a:t>Design is not just what it looks like and feels like. Design is how it works</a:t>
-            </a:r>
-            <a:r>
-              <a:rPr lang="en-US" sz="3500" dirty="0" smtClean="0"/>
-              <a:t>.</a:t>
-            </a:r>
-            <a:endParaRPr lang="en-US" sz="3500" dirty="0"/>
-          </a:p>
-        </p:txBody>
-      </p:sp>
-      <p:sp>
-        <p:nvSpPr>
-          <p:cNvPr id="5" name="Text Placeholder 4"/>
-          <p:cNvSpPr>
-            <a:spLocks noGrp="1"/>
-          </p:cNvSpPr>
-          <p:nvPr>
-            <p:ph type="body" idx="1"/>
-          </p:nvPr>
-        </p:nvSpPr>
-        <p:spPr/>
-        <p:txBody>
-          <a:bodyPr/>
-          <a:lstStyle/>
-          <a:p>
-            <a:r>
-              <a:rPr lang="en-US" sz="3200" b="1" dirty="0" smtClean="0"/>
-              <a:t>Steve Jobs</a:t>
-            </a:r>
-            <a:endParaRPr lang="en-US" sz="3200" b="1" dirty="0"/>
+              <a:rPr lang="en-US" sz="2800" dirty="0" smtClean="0"/>
+              <a:t>Parse cloud code</a:t>
+            </a:r>
+            <a:endParaRPr lang="en-US" sz="2800" dirty="0"/>
           </a:p>
         </p:txBody>
       </p:sp>
       <p:pic>
         <p:nvPicPr>
-          <p:cNvPr id="3" name="Picture 2"/>
+          <p:cNvPr id="6" name="Content Placeholder 5"/>
           <p:cNvPicPr>
-            <a:picLocks noChangeAspect="1"/>
+            <a:picLocks noGrp="1" noChangeAspect="1"/>
           </p:cNvPicPr>
-          <p:nvPr/>
+          <p:nvPr>
+            <p:ph idx="1"/>
+          </p:nvPr>
         </p:nvPicPr>
-        <p:blipFill rotWithShape="1">
+        <p:blipFill>
           <a:blip r:embed="rId2">
             <a:extLst>
               <a:ext uri="{28A0092B-C50C-407E-A947-70E740481C1C}">
@@ -6014,42 +5991,85 @@
               </a:ext>
             </a:extLst>
           </a:blip>
-          <a:srcRect l="1628" r="1259"/>
-          <a:stretch/>
+          <a:stretch>
+            <a:fillRect/>
+          </a:stretch>
         </p:blipFill>
         <p:spPr>
           <a:xfrm>
-            <a:off x="8202706" y="1238502"/>
-            <a:ext cx="2743200" cy="5021725"/>
+            <a:off x="4936845" y="2064484"/>
+            <a:ext cx="6251575" cy="3878864"/>
           </a:xfrm>
-          <a:prstGeom prst="rect">
-            <a:avLst/>
-          </a:prstGeom>
         </p:spPr>
       </p:pic>
       <p:sp>
         <p:nvSpPr>
-          <p:cNvPr id="2" name="Text Placeholder 1"/>
+          <p:cNvPr id="7" name="Text Placeholder 6"/>
           <p:cNvSpPr>
             <a:spLocks noGrp="1"/>
           </p:cNvSpPr>
           <p:nvPr>
-            <p:ph type="body" idx="1"/>
+            <p:ph type="body" sz="half" idx="2"/>
           </p:nvPr>
         </p:nvSpPr>
         <p:spPr/>
         <p:txBody>
-          <a:bodyPr/>
+          <a:bodyPr>
+            <a:normAutofit/>
+          </a:bodyPr>
           <a:lstStyle/>
           <a:p>
-            <a:endParaRPr lang="en-US"/>
+            <a:pPr marL="342900" indent="-342900">
+              <a:buFont typeface="Courier New" panose="02070309020205020404" pitchFamily="49" charset="0"/>
+              <a:buChar char="o"/>
+            </a:pPr>
+            <a:r>
+              <a:rPr lang="en-US" sz="2000" dirty="0"/>
+              <a:t>Data </a:t>
+            </a:r>
+            <a:r>
+              <a:rPr lang="en-US" sz="2000" dirty="0" smtClean="0"/>
+              <a:t>curation</a:t>
+            </a:r>
+          </a:p>
+          <a:p>
+            <a:pPr marL="342900" indent="-342900">
+              <a:buFont typeface="Courier New" panose="02070309020205020404" pitchFamily="49" charset="0"/>
+              <a:buChar char="o"/>
+            </a:pPr>
+            <a:r>
+              <a:rPr lang="en-US" sz="2000" dirty="0" smtClean="0"/>
+              <a:t>Cosine similarity scoring</a:t>
+            </a:r>
+          </a:p>
+          <a:p>
+            <a:pPr marL="342900" indent="-342900">
+              <a:buFont typeface="Courier New" panose="02070309020205020404" pitchFamily="49" charset="0"/>
+              <a:buChar char="o"/>
+            </a:pPr>
+            <a:r>
+              <a:rPr lang="en-US" sz="2000" dirty="0" smtClean="0"/>
+              <a:t>Intelligent </a:t>
+            </a:r>
+            <a:r>
+              <a:rPr lang="en-US" sz="2000" dirty="0" err="1" smtClean="0"/>
+              <a:t>refiltering</a:t>
+            </a:r>
+            <a:endParaRPr lang="en-US" sz="1800" dirty="0" smtClean="0"/>
+          </a:p>
+          <a:p>
+            <a:pPr marL="342900" indent="-342900">
+              <a:buFont typeface="Courier New" panose="02070309020205020404" pitchFamily="49" charset="0"/>
+              <a:buChar char="o"/>
+            </a:pPr>
+            <a:endParaRPr lang="en-US" sz="2000" dirty="0"/>
           </a:p>
         </p:txBody>
       </p:sp>
     </p:spTree>
     <p:extLst>
       <p:ext uri="{BB962C8B-B14F-4D97-AF65-F5344CB8AC3E}">
-        <p14:creationId xmlns:p14="http://schemas.microsoft.com/office/powerpoint/2010/main" val="3184081845"/>
+        <p14:creationId xmlns:p14="http://schemas.microsoft.com/office/powerpoint/2010/main" val="502979600"/>
       </p:ext>
     </p:extLst>
   </p:cSld>
@@ -6088,7 +6108,7 @@
       </p:grpSpPr>
       <p:sp>
         <p:nvSpPr>
-          <p:cNvPr id="5" name="Title 4"/>
+          <p:cNvPr id="4" name="Title 3"/>
           <p:cNvSpPr>
             <a:spLocks noGrp="1"/>
           </p:cNvSpPr>
@@ -6102,80 +6122,47 @@
           <a:lstStyle/>
           <a:p>
             <a:r>
-              <a:rPr lang="en-US" sz="2800" dirty="0" smtClean="0"/>
-              <a:t>App design</a:t>
-            </a:r>
-            <a:endParaRPr lang="en-US" sz="2800" dirty="0"/>
-          </a:p>
-        </p:txBody>
-      </p:sp>
-      <p:sp>
-        <p:nvSpPr>
-          <p:cNvPr id="7" name="Text Placeholder 6"/>
+              <a:rPr lang="en-US" sz="3500" dirty="0"/>
+              <a:t>Design is not just what it looks like and feels like. Design is how it works</a:t>
+            </a:r>
+            <a:r>
+              <a:rPr lang="en-US" sz="3500" dirty="0" smtClean="0"/>
+              <a:t>.</a:t>
+            </a:r>
+            <a:endParaRPr lang="en-US" sz="3500" dirty="0"/>
+          </a:p>
+        </p:txBody>
+      </p:sp>
+      <p:sp>
+        <p:nvSpPr>
+          <p:cNvPr id="5" name="Text Placeholder 4"/>
           <p:cNvSpPr>
             <a:spLocks noGrp="1"/>
           </p:cNvSpPr>
           <p:nvPr>
-            <p:ph type="body" sz="half" idx="2"/>
+            <p:ph type="body" idx="1"/>
           </p:nvPr>
         </p:nvSpPr>
         <p:spPr/>
         <p:txBody>
-          <a:bodyPr>
-            <a:normAutofit/>
-          </a:bodyPr>
+          <a:bodyPr/>
           <a:lstStyle/>
           <a:p>
-            <a:pPr marL="342900" indent="-342900">
-              <a:buFont typeface="Courier New" panose="02070309020205020404" pitchFamily="49" charset="0"/>
-              <a:buChar char="o"/>
-            </a:pPr>
-            <a:r>
-              <a:rPr lang="en-US" sz="1800" dirty="0" smtClean="0"/>
-              <a:t>Philosophy</a:t>
-            </a:r>
-          </a:p>
-          <a:p>
-            <a:pPr marL="342900" indent="-342900">
-              <a:buFont typeface="Courier New" panose="02070309020205020404" pitchFamily="49" charset="0"/>
-              <a:buChar char="o"/>
-            </a:pPr>
-            <a:r>
-              <a:rPr lang="en-US" sz="1800" dirty="0" smtClean="0"/>
-              <a:t>Profiles</a:t>
-            </a:r>
-          </a:p>
-          <a:p>
-            <a:pPr marL="342900" indent="-342900">
-              <a:buFont typeface="Courier New" panose="02070309020205020404" pitchFamily="49" charset="0"/>
-              <a:buChar char="o"/>
-            </a:pPr>
-            <a:r>
-              <a:rPr lang="en-US" sz="1800" dirty="0" smtClean="0"/>
-              <a:t>Preferences</a:t>
-            </a:r>
-          </a:p>
-          <a:p>
-            <a:pPr marL="342900" indent="-342900">
-              <a:buFont typeface="Courier New" panose="02070309020205020404" pitchFamily="49" charset="0"/>
-              <a:buChar char="o"/>
-            </a:pPr>
-            <a:r>
-              <a:rPr lang="en-US" sz="1800" dirty="0" smtClean="0"/>
-              <a:t>Restaurant suggestions</a:t>
-            </a:r>
+            <a:r>
+              <a:rPr lang="en-US" sz="3200" b="1" dirty="0" smtClean="0"/>
+              <a:t>Steve Jobs</a:t>
+            </a:r>
+            <a:endParaRPr lang="en-US" sz="3200" b="1" dirty="0"/>
           </a:p>
         </p:txBody>
       </p:sp>
       <p:pic>
         <p:nvPicPr>
-          <p:cNvPr id="6" name="Content Placeholder 5"/>
+          <p:cNvPr id="3" name="Picture 2"/>
           <p:cNvPicPr>
-            <a:picLocks noGrp="1" noChangeAspect="1"/>
+            <a:picLocks noChangeAspect="1"/>
           </p:cNvPicPr>
-          <p:nvPr>
-            <p:ph idx="1"/>
-          </p:nvPr>
+          <p:nvPr/>
         </p:nvPicPr>
         <p:blipFill rotWithShape="1">
           <a:blip r:embed="rId2">
@@ -6185,32 +6172,60 @@
               </a:ext>
             </a:extLst>
           </a:blip>
-          <a:srcRect l="1033" r="1111"/>
+          <a:srcRect l="1628" r="1259"/>
           <a:stretch/>
         </p:blipFill>
         <p:spPr>
           <a:xfrm>
-            <a:off x="8289461" y="584199"/>
-            <a:ext cx="2603964" cy="4730749"/>
+            <a:off x="8202706" y="1238502"/>
+            <a:ext cx="2743200" cy="5021725"/>
           </a:xfrm>
           <a:prstGeom prst="rect">
             <a:avLst/>
           </a:prstGeom>
         </p:spPr>
       </p:pic>
+      <p:sp>
+        <p:nvSpPr>
+          <p:cNvPr id="2" name="Text Placeholder 1"/>
+          <p:cNvSpPr>
+            <a:spLocks noGrp="1"/>
+          </p:cNvSpPr>
+          <p:nvPr>
+            <p:ph type="body" idx="1"/>
+          </p:nvPr>
+        </p:nvSpPr>
+        <p:spPr/>
+        <p:txBody>
+          <a:bodyPr/>
+          <a:lstStyle/>
+          <a:p>
+            <a:endParaRPr lang="en-US"/>
+          </a:p>
+        </p:txBody>
+      </p:sp>
     </p:spTree>
     <p:extLst>
       <p:ext uri="{BB962C8B-B14F-4D97-AF65-F5344CB8AC3E}">
-        <p14:creationId xmlns:p14="http://schemas.microsoft.com/office/powerpoint/2010/main" val="3660298713"/>
+        <p14:creationId xmlns:p14="http://schemas.microsoft.com/office/powerpoint/2010/main" val="3184081845"/>
       </p:ext>
     </p:extLst>
   </p:cSld>
   <p:clrMapOvr>
     <a:masterClrMapping/>
   </p:clrMapOvr>
-  <p:transition spd="slow">
-    <p:fade/>
-  </p:transition>
+  <mc:AlternateContent xmlns:mc="http://schemas.openxmlformats.org/markup-compatibility/2006">
+    <mc:Choice xmlns:p14="http://schemas.microsoft.com/office/powerpoint/2010/main" Requires="p14">
+      <p:transition spd="med" p14:dur="700">
+        <p:fade/>
+      </p:transition>
+    </mc:Choice>
+    <mc:Fallback>
+      <p:transition spd="med">
+        <p:fade/>
+      </p:transition>
+    </mc:Fallback>
+  </mc:AlternateContent>
   <p:timing>
     <p:tnLst>
       <p:par>
@@ -6254,45 +6269,98 @@
           <a:lstStyle/>
           <a:p>
             <a:r>
-              <a:rPr lang="en-US" dirty="0" smtClean="0"/>
-              <a:t>Nom?</a:t>
-            </a:r>
-            <a:endParaRPr lang="en-US" dirty="0"/>
-          </a:p>
-        </p:txBody>
-      </p:sp>
-      <p:sp>
-        <p:nvSpPr>
-          <p:cNvPr id="6" name="Text Placeholder 5"/>
+              <a:rPr lang="en-US" sz="2800" dirty="0" smtClean="0"/>
+              <a:t>App design</a:t>
+            </a:r>
+            <a:endParaRPr lang="en-US" sz="2800" dirty="0"/>
+          </a:p>
+        </p:txBody>
+      </p:sp>
+      <p:sp>
+        <p:nvSpPr>
+          <p:cNvPr id="7" name="Text Placeholder 6"/>
           <p:cNvSpPr>
             <a:spLocks noGrp="1"/>
           </p:cNvSpPr>
           <p:nvPr>
-            <p:ph type="body" sz="quarter" idx="16"/>
+            <p:ph idx="1"/>
           </p:nvPr>
         </p:nvSpPr>
         <p:spPr/>
         <p:txBody>
-          <a:bodyPr/>
+          <a:bodyPr>
+            <a:normAutofit/>
+          </a:bodyPr>
           <a:lstStyle/>
           <a:p>
-            <a:endParaRPr lang="en-US"/>
+            <a:pPr marL="342900" indent="-342900">
+              <a:buFont typeface="Courier New" panose="02070309020205020404" pitchFamily="49" charset="0"/>
+              <a:buChar char="o"/>
+            </a:pPr>
+            <a:r>
+              <a:rPr lang="en-US" sz="1800" dirty="0" smtClean="0"/>
+              <a:t>Philosophy</a:t>
+            </a:r>
+          </a:p>
+          <a:p>
+            <a:pPr marL="342900" indent="-342900">
+              <a:buFont typeface="Courier New" panose="02070309020205020404" pitchFamily="49" charset="0"/>
+              <a:buChar char="o"/>
+            </a:pPr>
+            <a:r>
+              <a:rPr lang="en-US" sz="1800" dirty="0" smtClean="0"/>
+              <a:t>Profiles</a:t>
+            </a:r>
+          </a:p>
+          <a:p>
+            <a:pPr marL="342900" indent="-342900">
+              <a:buFont typeface="Courier New" panose="02070309020205020404" pitchFamily="49" charset="0"/>
+              <a:buChar char="o"/>
+            </a:pPr>
+            <a:r>
+              <a:rPr lang="en-US" sz="1800" dirty="0" smtClean="0"/>
+              <a:t>Preferences</a:t>
+            </a:r>
+          </a:p>
+          <a:p>
+            <a:pPr marL="342900" indent="-342900">
+              <a:buFont typeface="Courier New" panose="02070309020205020404" pitchFamily="49" charset="0"/>
+              <a:buChar char="o"/>
+            </a:pPr>
+            <a:r>
+              <a:rPr lang="en-US" sz="1800" dirty="0" smtClean="0"/>
+              <a:t>Restaurant </a:t>
+            </a:r>
+            <a:r>
+              <a:rPr lang="en-US" sz="1800" dirty="0" smtClean="0"/>
+              <a:t>information and follow up</a:t>
+            </a:r>
+            <a:endParaRPr lang="en-US" sz="1800" dirty="0" smtClean="0"/>
           </a:p>
         </p:txBody>
       </p:sp>
     </p:spTree>
     <p:extLst>
       <p:ext uri="{BB962C8B-B14F-4D97-AF65-F5344CB8AC3E}">
-        <p14:creationId xmlns:p14="http://schemas.microsoft.com/office/powerpoint/2010/main" val="3562948257"/>
+        <p14:creationId xmlns:p14="http://schemas.microsoft.com/office/powerpoint/2010/main" val="3660298713"/>
       </p:ext>
     </p:extLst>
   </p:cSld>
   <p:clrMapOvr>
     <a:masterClrMapping/>
   </p:clrMapOvr>
-  <p:transition spd="slow">
-    <p:fade/>
-  </p:transition>
+  <mc:AlternateContent xmlns:mc="http://schemas.openxmlformats.org/markup-compatibility/2006">
+    <mc:Choice xmlns:p14="http://schemas.microsoft.com/office/powerpoint/2010/main" Requires="p14">
+      <p:transition spd="med" p14:dur="700">
+        <p:fade/>
+      </p:transition>
+    </mc:Choice>
+    <mc:Fallback>
+      <p:transition spd="med">
+        <p:fade/>
+      </p:transition>
+    </mc:Fallback>
+  </mc:AlternateContent>
   <p:timing>
     <p:tnLst>
       <p:par>
@@ -6304,6 +6372,289 @@
 </file>
 
 <file path=ppt/slides/slide13.xml><?xml version="1.0" encoding="utf-8"?>
+<p:sld xmlns:a="http://schemas.openxmlformats.org/drawingml/2006/main" xmlns:r="http://schemas.openxmlformats.org/officeDocument/2006/relationships" xmlns:p="http://schemas.openxmlformats.org/presentationml/2006/main">
+  <p:cSld>
+    <p:spTree>
+      <p:nvGrpSpPr>
+        <p:cNvPr id="1" name=""/>
+        <p:cNvGrpSpPr/>
+        <p:nvPr/>
+      </p:nvGrpSpPr>
+      <p:grpSpPr>
+        <a:xfrm>
+          <a:off x="0" y="0"/>
+          <a:ext cx="0" cy="0"/>
+          <a:chOff x="0" y="0"/>
+          <a:chExt cx="0" cy="0"/>
+        </a:xfrm>
+      </p:grpSpPr>
+      <p:sp>
+        <p:nvSpPr>
+          <p:cNvPr id="5" name="Title 4"/>
+          <p:cNvSpPr>
+            <a:spLocks noGrp="1"/>
+          </p:cNvSpPr>
+          <p:nvPr>
+            <p:ph type="title"/>
+          </p:nvPr>
+        </p:nvSpPr>
+        <p:spPr/>
+        <p:txBody>
+          <a:bodyPr/>
+          <a:lstStyle/>
+          <a:p>
+            <a:r>
+              <a:rPr lang="en-US" dirty="0" smtClean="0"/>
+              <a:t>Screens</a:t>
+            </a:r>
+            <a:endParaRPr lang="en-US" dirty="0"/>
+          </a:p>
+        </p:txBody>
+      </p:sp>
+      <p:sp>
+        <p:nvSpPr>
+          <p:cNvPr id="7" name="Picture Placeholder 6"/>
+          <p:cNvSpPr>
+            <a:spLocks noGrp="1"/>
+          </p:cNvSpPr>
+          <p:nvPr>
+            <p:ph type="pic" sz="quarter" idx="13"/>
+          </p:nvPr>
+        </p:nvSpPr>
+        <p:spPr/>
+      </p:sp>
+      <p:sp>
+        <p:nvSpPr>
+          <p:cNvPr id="6" name="Text Placeholder 5"/>
+          <p:cNvSpPr>
+            <a:spLocks noGrp="1"/>
+          </p:cNvSpPr>
+          <p:nvPr>
+            <p:ph type="body" sz="half" idx="2"/>
+          </p:nvPr>
+        </p:nvSpPr>
+        <p:spPr/>
+        <p:txBody>
+          <a:bodyPr/>
+          <a:lstStyle/>
+          <a:p>
+            <a:endParaRPr lang="en-US"/>
+          </a:p>
+        </p:txBody>
+      </p:sp>
+      <p:pic>
+        <p:nvPicPr>
+          <p:cNvPr id="8" name="Content Placeholder 5"/>
+          <p:cNvPicPr>
+            <a:picLocks noChangeAspect="1"/>
+          </p:cNvPicPr>
+          <p:nvPr/>
+        </p:nvPicPr>
+        <p:blipFill rotWithShape="1">
+          <a:blip r:embed="rId2">
+            <a:extLst>
+              <a:ext uri="{28A0092B-C50C-407E-A947-70E740481C1C}">
+                <a14:useLocalDpi xmlns:a14="http://schemas.microsoft.com/office/drawing/2010/main" val="0"/>
+              </a:ext>
+            </a:extLst>
+          </a:blip>
+          <a:srcRect l="1033" r="1111"/>
+          <a:stretch/>
+        </p:blipFill>
+        <p:spPr>
+          <a:xfrm>
+            <a:off x="5011956" y="673132"/>
+            <a:ext cx="1901052" cy="3453734"/>
+          </a:xfrm>
+          <a:prstGeom prst="rect">
+            <a:avLst/>
+          </a:prstGeom>
+        </p:spPr>
+      </p:pic>
+      <p:pic>
+        <p:nvPicPr>
+          <p:cNvPr id="9" name="Picture 8"/>
+          <p:cNvPicPr>
+            <a:picLocks noChangeAspect="1"/>
+          </p:cNvPicPr>
+          <p:nvPr/>
+        </p:nvPicPr>
+        <p:blipFill>
+          <a:blip r:embed="rId3">
+            <a:extLst>
+              <a:ext uri="{28A0092B-C50C-407E-A947-70E740481C1C}">
+                <a14:useLocalDpi xmlns:a14="http://schemas.microsoft.com/office/drawing/2010/main" val="0"/>
+              </a:ext>
+            </a:extLst>
+          </a:blip>
+          <a:stretch>
+            <a:fillRect/>
+          </a:stretch>
+        </p:blipFill>
+        <p:spPr>
+          <a:xfrm>
+            <a:off x="2423885" y="673734"/>
+            <a:ext cx="1945426" cy="3453132"/>
+          </a:xfrm>
+          <a:prstGeom prst="rect">
+            <a:avLst/>
+          </a:prstGeom>
+        </p:spPr>
+      </p:pic>
+      <p:pic>
+        <p:nvPicPr>
+          <p:cNvPr id="10" name="Picture 9"/>
+          <p:cNvPicPr>
+            <a:picLocks noChangeAspect="1"/>
+          </p:cNvPicPr>
+          <p:nvPr/>
+        </p:nvPicPr>
+        <p:blipFill>
+          <a:blip r:embed="rId4">
+            <a:extLst>
+              <a:ext uri="{28A0092B-C50C-407E-A947-70E740481C1C}">
+                <a14:useLocalDpi xmlns:a14="http://schemas.microsoft.com/office/drawing/2010/main" val="0"/>
+              </a:ext>
+            </a:extLst>
+          </a:blip>
+          <a:stretch>
+            <a:fillRect/>
+          </a:stretch>
+        </p:blipFill>
+        <p:spPr>
+          <a:xfrm>
+            <a:off x="7555653" y="673132"/>
+            <a:ext cx="1945427" cy="3453133"/>
+          </a:xfrm>
+          <a:prstGeom prst="rect">
+            <a:avLst/>
+          </a:prstGeom>
+        </p:spPr>
+      </p:pic>
+    </p:spTree>
+    <p:extLst>
+      <p:ext uri="{BB962C8B-B14F-4D97-AF65-F5344CB8AC3E}">
+        <p14:creationId xmlns:p14="http://schemas.microsoft.com/office/powerpoint/2010/main" val="2736527547"/>
+      </p:ext>
+    </p:extLst>
+  </p:cSld>
+  <p:clrMapOvr>
+    <a:masterClrMapping/>
+  </p:clrMapOvr>
+  <mc:AlternateContent xmlns:mc="http://schemas.openxmlformats.org/markup-compatibility/2006">
+    <mc:Choice xmlns:p14="http://schemas.microsoft.com/office/powerpoint/2010/main" Requires="p14">
+      <p:transition spd="med" p14:dur="700">
+        <p:fade/>
+      </p:transition>
+    </mc:Choice>
+    <mc:Fallback>
+      <p:transition spd="med">
+        <p:fade/>
+      </p:transition>
+    </mc:Fallback>
+  </mc:AlternateContent>
+  <p:timing>
+    <p:tnLst>
+      <p:par>
+        <p:cTn id="1" dur="indefinite" restart="never" nodeType="tmRoot"/>
+      </p:par>
+    </p:tnLst>
+  </p:timing>
+</p:sld>
+</file>
+
+<file path=ppt/slides/slide14.xml><?xml version="1.0" encoding="utf-8"?>
+<p:sld xmlns:a="http://schemas.openxmlformats.org/drawingml/2006/main" xmlns:r="http://schemas.openxmlformats.org/officeDocument/2006/relationships" xmlns:p="http://schemas.openxmlformats.org/presentationml/2006/main">
+  <p:cSld>
+    <p:spTree>
+      <p:nvGrpSpPr>
+        <p:cNvPr id="1" name=""/>
+        <p:cNvGrpSpPr/>
+        <p:nvPr/>
+      </p:nvGrpSpPr>
+      <p:grpSpPr>
+        <a:xfrm>
+          <a:off x="0" y="0"/>
+          <a:ext cx="0" cy="0"/>
+          <a:chOff x="0" y="0"/>
+          <a:chExt cx="0" cy="0"/>
+        </a:xfrm>
+      </p:grpSpPr>
+      <p:sp>
+        <p:nvSpPr>
+          <p:cNvPr id="5" name="Title 4"/>
+          <p:cNvSpPr>
+            <a:spLocks noGrp="1"/>
+          </p:cNvSpPr>
+          <p:nvPr>
+            <p:ph type="title"/>
+          </p:nvPr>
+        </p:nvSpPr>
+        <p:spPr/>
+        <p:txBody>
+          <a:bodyPr/>
+          <a:lstStyle/>
+          <a:p>
+            <a:r>
+              <a:rPr lang="en-US" dirty="0" smtClean="0"/>
+              <a:t>Nom?</a:t>
+            </a:r>
+            <a:endParaRPr lang="en-US" dirty="0"/>
+          </a:p>
+        </p:txBody>
+      </p:sp>
+      <p:sp>
+        <p:nvSpPr>
+          <p:cNvPr id="6" name="Text Placeholder 5"/>
+          <p:cNvSpPr>
+            <a:spLocks noGrp="1"/>
+          </p:cNvSpPr>
+          <p:nvPr>
+            <p:ph type="body" sz="quarter" idx="16"/>
+          </p:nvPr>
+        </p:nvSpPr>
+        <p:spPr/>
+        <p:txBody>
+          <a:bodyPr/>
+          <a:lstStyle/>
+          <a:p>
+            <a:endParaRPr lang="en-US"/>
+          </a:p>
+        </p:txBody>
+      </p:sp>
+    </p:spTree>
+    <p:extLst>
+      <p:ext uri="{BB962C8B-B14F-4D97-AF65-F5344CB8AC3E}">
+        <p14:creationId xmlns:p14="http://schemas.microsoft.com/office/powerpoint/2010/main" val="3562948257"/>
+      </p:ext>
+    </p:extLst>
+  </p:cSld>
+  <p:clrMapOvr>
+    <a:masterClrMapping/>
+  </p:clrMapOvr>
+  <mc:AlternateContent xmlns:mc="http://schemas.openxmlformats.org/markup-compatibility/2006">
+    <mc:Choice xmlns:p14="http://schemas.microsoft.com/office/powerpoint/2010/main" Requires="p14">
+      <p:transition spd="med" p14:dur="700">
+        <p:fade/>
+      </p:transition>
+    </mc:Choice>
+    <mc:Fallback>
+      <p:transition spd="med">
+        <p:fade/>
+      </p:transition>
+    </mc:Fallback>
+  </mc:AlternateContent>
+  <p:timing>
+    <p:tnLst>
+      <p:par>
+        <p:cTn id="1" dur="indefinite" restart="never" nodeType="tmRoot"/>
+      </p:par>
+    </p:tnLst>
+  </p:timing>
+</p:sld>
+</file>
+
+<file path=ppt/slides/slide15.xml><?xml version="1.0" encoding="utf-8"?>
 <p:sld xmlns:a="http://schemas.openxmlformats.org/drawingml/2006/main" xmlns:r="http://schemas.openxmlformats.org/officeDocument/2006/relationships" xmlns:p="http://schemas.openxmlformats.org/presentationml/2006/main">
   <p:cSld>
     <p:spTree>
@@ -6443,7 +6794,7 @@
         <p:spPr>
           <a:xfrm>
             <a:off x="3196281" y="3031524"/>
-            <a:ext cx="5899628" cy="584775"/>
+            <a:ext cx="5379293" cy="584775"/>
           </a:xfrm>
           <a:prstGeom prst="rect">
             <a:avLst/>
@@ -6460,7 +6811,7 @@
               <a:rPr lang="en-US" sz="3200" b="1" dirty="0" smtClean="0">
                 <a:latin typeface="Gotham" panose="02000604030000020004" pitchFamily="50" charset="0"/>
               </a:rPr>
-              <a:t>Ever had this conversation?</a:t>
+              <a:t>We all know how it goes.</a:t>
             </a:r>
             <a:endParaRPr lang="en-US" sz="3200" b="1" dirty="0">
               <a:latin typeface="Gotham" panose="02000604030000020004" pitchFamily="50" charset="0"/>
@@ -6567,7 +6918,31 @@
                 </a:solidFill>
                 <a:latin typeface="Gotham" panose="02000604030000020004" pitchFamily="50" charset="0"/>
               </a:rPr>
-              <a:t>Where do you want to go for dinner?</a:t>
+              <a:t>What do you </a:t>
+            </a:r>
+            <a:r>
+              <a:rPr lang="en-US" sz="1700" b="1" dirty="0" err="1" smtClean="0">
+                <a:solidFill>
+                  <a:schemeClr val="bg1">
+                    <a:lumMod val="85000"/>
+                    <a:lumOff val="15000"/>
+                  </a:schemeClr>
+                </a:solidFill>
+                <a:latin typeface="Gotham" panose="02000604030000020004" pitchFamily="50" charset="0"/>
+              </a:rPr>
+              <a:t>wanna</a:t>
+            </a:r>
+            <a:r>
+              <a:rPr lang="en-US" sz="1700" b="1" dirty="0" smtClean="0">
+                <a:solidFill>
+                  <a:schemeClr val="bg1">
+                    <a:lumMod val="85000"/>
+                    <a:lumOff val="15000"/>
+                  </a:schemeClr>
+                </a:solidFill>
+                <a:latin typeface="Gotham" panose="02000604030000020004" pitchFamily="50" charset="0"/>
+              </a:rPr>
+              <a:t> eat?</a:t>
             </a:r>
             <a:endParaRPr lang="en-US" sz="1700" b="1" dirty="0">
               <a:solidFill>
@@ -6622,6 +6997,18 @@
           <a:p>
             <a:pPr algn="ctr"/>
             <a:r>
+              <a:rPr lang="en-US" b="1" dirty="0" err="1" smtClean="0">
+                <a:solidFill>
+                  <a:schemeClr val="bg1">
+                    <a:lumMod val="85000"/>
+                    <a:lumOff val="15000"/>
+                  </a:schemeClr>
+                </a:solidFill>
+                <a:latin typeface="Gotham" panose="02000604030000020004" pitchFamily="50" charset="0"/>
+              </a:rPr>
+              <a:t>Uhhhhh</a:t>
+            </a:r>
+            <a:r>
               <a:rPr lang="en-US" b="1" dirty="0" smtClean="0">
                 <a:solidFill>
                   <a:schemeClr val="bg1">
@@ -6631,7 +7018,19 @@
                 </a:solidFill>
                 <a:latin typeface="Gotham" panose="02000604030000020004" pitchFamily="50" charset="0"/>
               </a:rPr>
-              <a:t>I don’t really… let’s look it up</a:t>
+              <a:t>…maybe Chinese? </a:t>
+            </a:r>
+            <a:r>
+              <a:rPr lang="en-US" b="1" dirty="0" smtClean="0">
+                <a:solidFill>
+                  <a:schemeClr val="bg1">
+                    <a:lumMod val="85000"/>
+                    <a:lumOff val="15000"/>
+                  </a:schemeClr>
+                </a:solidFill>
+                <a:latin typeface="Gotham" panose="02000604030000020004" pitchFamily="50" charset="0"/>
+              </a:rPr>
+              <a:t>Let’s yelp it.</a:t>
             </a:r>
             <a:endParaRPr lang="en-US" b="1" dirty="0">
               <a:solidFill>
@@ -6707,7 +7106,7 @@
                 </a:solidFill>
                 <a:latin typeface="Gotham" panose="02000604030000020004" pitchFamily="50" charset="0"/>
               </a:rPr>
-              <a:t>I don’t know, do you have a place in mind?</a:t>
+              <a:t>I don’t really care, what do you want?</a:t>
             </a:r>
             <a:endParaRPr lang="en-US" dirty="0"/>
           </a:p>
@@ -6775,7 +7174,7 @@
                 </a:solidFill>
                 <a:latin typeface="Gotham" panose="02000604030000020004" pitchFamily="50" charset="0"/>
               </a:rPr>
-              <a:t>Okay…</a:t>
+              <a:t>Yeah I really don’t care</a:t>
             </a:r>
             <a:endParaRPr lang="en-US" dirty="0"/>
           </a:p>
@@ -6791,13 +7190,13 @@
   <p:clrMapOvr>
     <a:masterClrMapping/>
   </p:clrMapOvr>
-  <mc:AlternateContent xmlns:mc="http://schemas.openxmlformats.org/markup-compatibility/2006" xmlns:p14="http://schemas.microsoft.com/office/powerpoint/2010/main">
-    <mc:Choice Requires="p14">
+  <mc:AlternateContent xmlns:mc="http://schemas.openxmlformats.org/markup-compatibility/2006">
+    <mc:Choice xmlns:p14="http://schemas.microsoft.com/office/powerpoint/2010/main" Requires="p14">
       <p:transition spd="med" p14:dur="700">
         <p:fade/>
       </p:transition>
     </mc:Choice>
-    <mc:Fallback xmlns="">
+    <mc:Fallback>
       <p:transition spd="med">
         <p:fade/>
       </p:transition>
@@ -6815,6 +7214,9 @@
                     <p:cTn id="3" fill="hold">
                       <p:stCondLst>
                         <p:cond delay="indefinite"/>
+                        <p:cond evt="onBegin" delay="0">
+                          <p:tn val="2"/>
+                        </p:cond>
                       </p:stCondLst>
                       <p:childTnLst>
                         <p:par>
@@ -6824,7 +7226,7 @@
                             </p:stCondLst>
                             <p:childTnLst>
                               <p:par>
-                                <p:cTn id="5" presetID="42" presetClass="entr" presetSubtype="0" fill="hold" grpId="0" nodeType="clickEffect">
+                                <p:cTn id="5" presetID="42" presetClass="entr" presetSubtype="0" fill="hold" grpId="0" nodeType="afterEffect">
                                   <p:stCondLst>
                                     <p:cond delay="0"/>
                                   </p:stCondLst>
@@ -7255,6 +7657,78 @@
           <a:chExt cx="0" cy="0"/>
         </a:xfrm>
       </p:grpSpPr>
+      <p:pic>
+        <p:nvPicPr>
+          <p:cNvPr id="2" name="Picture 1"/>
+          <p:cNvPicPr>
+            <a:picLocks noChangeAspect="1"/>
+          </p:cNvPicPr>
+          <p:nvPr/>
+        </p:nvPicPr>
+        <p:blipFill rotWithShape="1">
+          <a:blip r:embed="rId2"/>
+          <a:srcRect l="31111" t="6508" r="31904" b="5872"/>
+          <a:stretch/>
+        </p:blipFill>
+        <p:spPr>
+          <a:xfrm>
+            <a:off x="4319554" y="769256"/>
+            <a:ext cx="3866503" cy="5152572"/>
+          </a:xfrm>
+          <a:prstGeom prst="rect">
+            <a:avLst/>
+          </a:prstGeom>
+        </p:spPr>
+      </p:pic>
+    </p:spTree>
+    <p:extLst>
+      <p:ext uri="{BB962C8B-B14F-4D97-AF65-F5344CB8AC3E}">
+        <p14:creationId xmlns:p14="http://schemas.microsoft.com/office/powerpoint/2010/main" val="3730864245"/>
+      </p:ext>
+    </p:extLst>
+  </p:cSld>
+  <p:clrMapOvr>
+    <a:masterClrMapping/>
+  </p:clrMapOvr>
+  <mc:AlternateContent xmlns:mc="http://schemas.openxmlformats.org/markup-compatibility/2006">
+    <mc:Choice xmlns:p14="http://schemas.microsoft.com/office/powerpoint/2010/main" Requires="p14">
+      <p:transition spd="med" p14:dur="700">
+        <p:fade/>
+      </p:transition>
+    </mc:Choice>
+    <mc:Fallback>
+      <p:transition spd="med">
+        <p:fade/>
+      </p:transition>
+    </mc:Fallback>
+  </mc:AlternateContent>
+  <p:timing>
+    <p:tnLst>
+      <p:par>
+        <p:cTn id="1" dur="indefinite" restart="never" nodeType="tmRoot"/>
+      </p:par>
+    </p:tnLst>
+  </p:timing>
+</p:sld>
+</file>
+
+<file path=ppt/slides/slide5.xml><?xml version="1.0" encoding="utf-8"?>
+<p:sld xmlns:a="http://schemas.openxmlformats.org/drawingml/2006/main" xmlns:r="http://schemas.openxmlformats.org/officeDocument/2006/relationships" xmlns:p="http://schemas.openxmlformats.org/presentationml/2006/main">
+  <p:cSld>
+    <p:spTree>
+      <p:nvGrpSpPr>
+        <p:cNvPr id="1" name=""/>
+        <p:cNvGrpSpPr/>
+        <p:nvPr/>
+      </p:nvGrpSpPr>
+      <p:grpSpPr>
+        <a:xfrm>
+          <a:off x="0" y="0"/>
+          <a:ext cx="0" cy="0"/>
+          <a:chOff x="0" y="0"/>
+          <a:chExt cx="0" cy="0"/>
+        </a:xfrm>
+      </p:grpSpPr>
       <p:sp>
         <p:nvSpPr>
           <p:cNvPr id="3" name="Rounded Rectangle 2"/>
@@ -7325,13 +7799,13 @@
   <p:clrMapOvr>
     <a:masterClrMapping/>
   </p:clrMapOvr>
-  <mc:AlternateContent xmlns:mc="http://schemas.openxmlformats.org/markup-compatibility/2006" xmlns:p14="http://schemas.microsoft.com/office/powerpoint/2010/main">
-    <mc:Choice Requires="p14">
+  <mc:AlternateContent xmlns:mc="http://schemas.openxmlformats.org/markup-compatibility/2006">
+    <mc:Choice xmlns:p14="http://schemas.microsoft.com/office/powerpoint/2010/main" Requires="p14">
       <p:transition spd="med" p14:dur="700">
         <p:fade/>
       </p:transition>
     </mc:Choice>
-    <mc:Fallback xmlns="">
+    <mc:Fallback>
       <p:transition spd="med">
         <p:fade/>
       </p:transition>
@@ -7474,7 +7948,7 @@
 </p:sld>
 </file>
 
-<file path=ppt/slides/slide5.xml><?xml version="1.0" encoding="utf-8"?>
+<file path=ppt/slides/slide6.xml><?xml version="1.0" encoding="utf-8"?>
 <p:sld xmlns:a="http://schemas.openxmlformats.org/drawingml/2006/main" xmlns:r="http://schemas.openxmlformats.org/officeDocument/2006/relationships" xmlns:p="http://schemas.openxmlformats.org/presentationml/2006/main">
   <p:cSld>
     <p:spTree>
@@ -7801,6 +8275,9 @@
                     <p:cTn id="3" fill="hold">
                       <p:stCondLst>
                         <p:cond delay="indefinite"/>
+                        <p:cond evt="onBegin" delay="0">
+                          <p:tn val="2"/>
+                        </p:cond>
                       </p:stCondLst>
                       <p:childTnLst>
                         <p:par>
@@ -7810,7 +8287,7 @@
                             </p:stCondLst>
                             <p:childTnLst>
                               <p:par>
-                                <p:cTn id="5" presetID="42" presetClass="entr" presetSubtype="0" fill="hold" grpId="0" nodeType="clickEffect">
+                                <p:cTn id="5" presetID="42" presetClass="entr" presetSubtype="0" fill="hold" grpId="0" nodeType="afterEffect">
                                   <p:stCondLst>
                                     <p:cond delay="0"/>
                                   </p:stCondLst>
@@ -8197,7 +8674,7 @@
 </p:sld>
 </file>
 
-<file path=ppt/slides/slide6.xml><?xml version="1.0" encoding="utf-8"?>
+<file path=ppt/slides/slide7.xml><?xml version="1.0" encoding="utf-8"?>
 <p:sld xmlns:a="http://schemas.openxmlformats.org/drawingml/2006/main" xmlns:r="http://schemas.openxmlformats.org/officeDocument/2006/relationships" xmlns:p="http://schemas.openxmlformats.org/presentationml/2006/main">
   <p:cSld>
     <p:spTree>
@@ -8375,6 +8852,9 @@
                         <p:cTn id="3" fill="hold">
                           <p:stCondLst>
                             <p:cond delay="indefinite"/>
+                            <p:cond evt="onBegin" delay="0">
+                              <p:tn val="2"/>
+                            </p:cond>
                           </p:stCondLst>
                           <p:childTnLst>
                             <p:par>
@@ -8384,9 +8864,9 @@
                                 </p:stCondLst>
                                 <p:childTnLst>
                                   <p:par>
-                                    <p:cTn id="5" presetID="47" presetClass="entr" presetSubtype="0" fill="hold" grpId="0" nodeType="clickEffect">
+                                    <p:cTn id="5" presetID="47" presetClass="entr" presetSubtype="0" fill="hold" grpId="0" nodeType="afterEffect">
                                       <p:stCondLst>
-                                        <p:cond delay="0"/>
+                                        <p:cond delay="500"/>
                                       </p:stCondLst>
                                       <p:childTnLst>
                                         <p:set>
@@ -8470,7 +8950,7 @@
                             <p:par>
                               <p:cTn id="10" fill="hold">
                                 <p:stCondLst>
-                                  <p:cond delay="500"/>
+                                  <p:cond delay="1000"/>
                                 </p:stCondLst>
                                 <p:childTnLst>
                                   <p:par>
@@ -8560,7 +9040,7 @@
                             <p:par>
                               <p:cTn id="16" fill="hold">
                                 <p:stCondLst>
-                                  <p:cond delay="1500"/>
+                                  <p:cond delay="2000"/>
                                 </p:stCondLst>
                                 <p:childTnLst>
                                   <p:par>
@@ -8682,6 +9162,9 @@
                         <p:cTn id="3" fill="hold">
                           <p:stCondLst>
                             <p:cond delay="indefinite"/>
+                            <p:cond evt="onBegin" delay="0">
+                              <p:tn val="2"/>
+                            </p:cond>
                           </p:stCondLst>
                           <p:childTnLst>
                             <p:par>
@@ -8691,9 +9174,9 @@
                                 </p:stCondLst>
                                 <p:childTnLst>
                                   <p:par>
-                                    <p:cTn id="5" presetID="47" presetClass="entr" presetSubtype="0" fill="hold" grpId="0" nodeType="clickEffect">
+                                    <p:cTn id="5" presetID="47" presetClass="entr" presetSubtype="0" fill="hold" grpId="0" nodeType="afterEffect">
                                       <p:stCondLst>
-                                        <p:cond delay="0"/>
+                                        <p:cond delay="500"/>
                                       </p:stCondLst>
                                       <p:childTnLst>
                                         <p:set>
@@ -8777,7 +9260,7 @@
                             <p:par>
                               <p:cTn id="10" fill="hold">
                                 <p:stCondLst>
-                                  <p:cond delay="500"/>
+                                  <p:cond delay="1000"/>
                                 </p:stCondLst>
                                 <p:childTnLst>
                                   <p:par>
@@ -8867,7 +9350,7 @@
                             <p:par>
                               <p:cTn id="16" fill="hold">
                                 <p:stCondLst>
-                                  <p:cond delay="1500"/>
+                                  <p:cond delay="2000"/>
                                 </p:stCondLst>
                                 <p:childTnLst>
                                   <p:par>
@@ -8980,7 +9463,7 @@
 </p:sld>
 </file>
 
-<file path=ppt/slides/slide7.xml><?xml version="1.0" encoding="utf-8"?>
+<file path=ppt/slides/slide8.xml><?xml version="1.0" encoding="utf-8"?>
 <p:sld xmlns:a="http://schemas.openxmlformats.org/drawingml/2006/main" xmlns:r="http://schemas.openxmlformats.org/officeDocument/2006/relationships" xmlns:p="http://schemas.openxmlformats.org/presentationml/2006/main">
   <p:cSld>
     <p:spTree>
@@ -9234,119 +9717,6 @@
 </p:sld>
 </file>
 
-<file path=ppt/slides/slide8.xml><?xml version="1.0" encoding="utf-8"?>
-<p:sld xmlns:a="http://schemas.openxmlformats.org/drawingml/2006/main" xmlns:r="http://schemas.openxmlformats.org/officeDocument/2006/relationships" xmlns:p="http://schemas.openxmlformats.org/presentationml/2006/main">
-  <p:cSld>
-    <p:spTree>
-      <p:nvGrpSpPr>
-        <p:cNvPr id="1" name=""/>
-        <p:cNvGrpSpPr/>
-        <p:nvPr/>
-      </p:nvGrpSpPr>
-      <p:grpSpPr>
-        <a:xfrm>
-          <a:off x="0" y="0"/>
-          <a:ext cx="0" cy="0"/>
-          <a:chOff x="0" y="0"/>
-          <a:chExt cx="0" cy="0"/>
-        </a:xfrm>
-      </p:grpSpPr>
-      <p:sp>
-        <p:nvSpPr>
-          <p:cNvPr id="4" name="Title 3"/>
-          <p:cNvSpPr>
-            <a:spLocks noGrp="1"/>
-          </p:cNvSpPr>
-          <p:nvPr>
-            <p:ph type="title"/>
-          </p:nvPr>
-        </p:nvSpPr>
-        <p:spPr/>
-        <p:txBody>
-          <a:bodyPr/>
-          <a:lstStyle/>
-          <a:p>
-            <a:r>
-              <a:rPr lang="en-US" dirty="0" smtClean="0"/>
-              <a:t>Key features</a:t>
-            </a:r>
-            <a:endParaRPr lang="en-US" dirty="0"/>
-          </a:p>
-        </p:txBody>
-      </p:sp>
-      <p:sp>
-        <p:nvSpPr>
-          <p:cNvPr id="5" name="Content Placeholder 4"/>
-          <p:cNvSpPr>
-            <a:spLocks noGrp="1"/>
-          </p:cNvSpPr>
-          <p:nvPr>
-            <p:ph idx="1"/>
-          </p:nvPr>
-        </p:nvSpPr>
-        <p:spPr>
-          <a:xfrm>
-            <a:off x="827677" y="2222287"/>
-            <a:ext cx="10554574" cy="3636511"/>
-          </a:xfrm>
-        </p:spPr>
-        <p:txBody>
-          <a:bodyPr>
-            <a:normAutofit/>
-          </a:bodyPr>
-          <a:lstStyle/>
-          <a:p>
-            <a:r>
-              <a:rPr lang="en-US" sz="2000" dirty="0" smtClean="0"/>
-              <a:t>Restaurant discovery</a:t>
-            </a:r>
-          </a:p>
-          <a:p>
-            <a:r>
-              <a:rPr lang="en-US" sz="2000" dirty="0" smtClean="0"/>
-              <a:t>Simplicity</a:t>
-            </a:r>
-          </a:p>
-          <a:p>
-            <a:r>
-              <a:rPr lang="en-US" sz="2000" dirty="0" smtClean="0"/>
-              <a:t>One-stop portal</a:t>
-            </a:r>
-          </a:p>
-          <a:p>
-            <a:r>
-              <a:rPr lang="en-US" sz="2000" dirty="0" smtClean="0"/>
-              <a:t> Algorithmic matching</a:t>
-            </a:r>
-          </a:p>
-          <a:p>
-            <a:endParaRPr lang="en-US" sz="2000" dirty="0" smtClean="0"/>
-          </a:p>
-        </p:txBody>
-      </p:sp>
-    </p:spTree>
-    <p:extLst>
-      <p:ext uri="{BB962C8B-B14F-4D97-AF65-F5344CB8AC3E}">
-        <p14:creationId xmlns:p14="http://schemas.microsoft.com/office/powerpoint/2010/main" val="1174884437"/>
-      </p:ext>
-    </p:extLst>
-  </p:cSld>
-  <p:clrMapOvr>
-    <a:masterClrMapping/>
-  </p:clrMapOvr>
-  <p:transition spd="slow">
-    <p:fade/>
-  </p:transition>
-  <p:timing>
-    <p:tnLst>
-      <p:par>
-        <p:cTn id="1" dur="indefinite" restart="never" nodeType="tmRoot"/>
-      </p:par>
-    </p:tnLst>
-  </p:timing>
-</p:sld>
-</file>
-
 <file path=ppt/slides/slide9.xml><?xml version="1.0" encoding="utf-8"?>
 <p:sld xmlns:a="http://schemas.openxmlformats.org/drawingml/2006/main" xmlns:r="http://schemas.openxmlformats.org/officeDocument/2006/relationships" xmlns:p="http://schemas.openxmlformats.org/presentationml/2006/main">
   <p:cSld>
@@ -9366,7 +9736,7 @@
       </p:grpSpPr>
       <p:sp>
         <p:nvSpPr>
-          <p:cNvPr id="2" name="Title 1"/>
+          <p:cNvPr id="4" name="Title 3"/>
           <p:cNvSpPr>
             <a:spLocks noGrp="1"/>
           </p:cNvSpPr>
@@ -9380,115 +9750,71 @@
           <a:lstStyle/>
           <a:p>
             <a:r>
-              <a:rPr lang="en-US" sz="2800" dirty="0" smtClean="0"/>
-              <a:t>Parse cloud code</a:t>
-            </a:r>
-            <a:endParaRPr lang="en-US" sz="2800" dirty="0"/>
-          </a:p>
-        </p:txBody>
-      </p:sp>
-      <p:pic>
-        <p:nvPicPr>
-          <p:cNvPr id="6" name="Content Placeholder 5"/>
-          <p:cNvPicPr>
-            <a:picLocks noGrp="1" noChangeAspect="1"/>
-          </p:cNvPicPr>
+              <a:rPr lang="en-US" dirty="0" smtClean="0"/>
+              <a:t>Key features</a:t>
+            </a:r>
+            <a:endParaRPr lang="en-US" dirty="0"/>
+          </a:p>
+        </p:txBody>
+      </p:sp>
+      <p:sp>
+        <p:nvSpPr>
+          <p:cNvPr id="5" name="Content Placeholder 4"/>
+          <p:cNvSpPr>
+            <a:spLocks noGrp="1"/>
+          </p:cNvSpPr>
           <p:nvPr>
             <p:ph idx="1"/>
           </p:nvPr>
-        </p:nvPicPr>
-        <p:blipFill>
-          <a:blip r:embed="rId2">
-            <a:extLst>
-              <a:ext uri="{28A0092B-C50C-407E-A947-70E740481C1C}">
-                <a14:useLocalDpi xmlns:a14="http://schemas.microsoft.com/office/drawing/2010/main" val="0"/>
-              </a:ext>
-            </a:extLst>
-          </a:blip>
-          <a:stretch>
-            <a:fillRect/>
-          </a:stretch>
-        </p:blipFill>
+        </p:nvSpPr>
         <p:spPr>
           <a:xfrm>
-            <a:off x="4936845" y="2064484"/>
-            <a:ext cx="6251575" cy="3878864"/>
+            <a:off x="827677" y="2222287"/>
+            <a:ext cx="10554574" cy="3636511"/>
           </a:xfrm>
         </p:spPr>
-      </p:pic>
-      <p:sp>
-        <p:nvSpPr>
-          <p:cNvPr id="7" name="Text Placeholder 6"/>
-          <p:cNvSpPr>
-            <a:spLocks noGrp="1"/>
-          </p:cNvSpPr>
-          <p:nvPr>
-            <p:ph type="body" sz="half" idx="2"/>
-          </p:nvPr>
-        </p:nvSpPr>
-        <p:spPr/>
         <p:txBody>
           <a:bodyPr>
             <a:normAutofit/>
           </a:bodyPr>
           <a:lstStyle/>
           <a:p>
-            <a:pPr marL="342900" indent="-342900">
-              <a:buFont typeface="Courier New" panose="02070309020205020404" pitchFamily="49" charset="0"/>
-              <a:buChar char="o"/>
-            </a:pPr>
-            <a:r>
-              <a:rPr lang="en-US" sz="2000" dirty="0"/>
-              <a:t>Data </a:t>
-            </a:r>
             <a:r>
               <a:rPr lang="en-US" sz="2000" dirty="0" smtClean="0"/>
-              <a:t>curation</a:t>
-            </a:r>
+              <a:t>Restaurant discovery</a:t>
+            </a:r>
+          </a:p>
+          <a:p>
+            <a:r>
+              <a:rPr lang="en-US" sz="2000" dirty="0" smtClean="0"/>
+              <a:t>Simplicity</a:t>
+            </a:r>
+          </a:p>
+          <a:p>
+            <a:r>
+              <a:rPr lang="en-US" sz="2000" dirty="0" smtClean="0"/>
+              <a:t>One-stop portal</a:t>
+            </a:r>
+          </a:p>
+          <a:p>
+            <a:r>
+              <a:rPr lang="en-US" sz="2000" dirty="0" smtClean="0"/>
+              <a:t>Algorithmic </a:t>
+            </a:r>
+            <a:r>
+              <a:rPr lang="en-US" sz="2000" dirty="0" smtClean="0"/>
+              <a:t>matching</a:t>
+            </a:r>
+          </a:p>
+          <a:p>
             <a:endParaRPr lang="en-US" sz="2000" dirty="0" smtClean="0"/>
-          </a:p>
-          <a:p>
-            <a:pPr marL="342900" indent="-342900">
-              <a:buFont typeface="Courier New" panose="02070309020205020404" pitchFamily="49" charset="0"/>
-              <a:buChar char="o"/>
-            </a:pPr>
-            <a:r>
-              <a:rPr lang="en-US" sz="2000" dirty="0" smtClean="0"/>
-              <a:t>Cosine </a:t>
-            </a:r>
-            <a:r>
-              <a:rPr lang="en-US" sz="2000" dirty="0" smtClean="0"/>
-              <a:t>similarity scoring</a:t>
-            </a:r>
-          </a:p>
-          <a:p>
-            <a:pPr marL="342900" indent="-342900">
-              <a:buFont typeface="Courier New" panose="02070309020205020404" pitchFamily="49" charset="0"/>
-              <a:buChar char="o"/>
-            </a:pPr>
-            <a:r>
-              <a:rPr lang="en-US" sz="2000" dirty="0" smtClean="0"/>
-              <a:t>Intelligent </a:t>
-            </a:r>
-            <a:r>
-              <a:rPr lang="en-US" sz="2000" dirty="0" err="1" smtClean="0"/>
-              <a:t>refiltering</a:t>
-            </a:r>
-            <a:endParaRPr lang="en-US" sz="1800" dirty="0" smtClean="0"/>
-          </a:p>
-          <a:p>
-            <a:pPr marL="342900" indent="-342900">
-              <a:buFont typeface="Courier New" panose="02070309020205020404" pitchFamily="49" charset="0"/>
-              <a:buChar char="o"/>
-            </a:pPr>
-            <a:endParaRPr lang="en-US" sz="2000" dirty="0"/>
           </a:p>
         </p:txBody>
       </p:sp>
     </p:spTree>
     <p:extLst>
       <p:ext uri="{BB962C8B-B14F-4D97-AF65-F5344CB8AC3E}">
-        <p14:creationId xmlns:p14="http://schemas.microsoft.com/office/powerpoint/2010/main" val="502979600"/>
+        <p14:creationId xmlns:p14="http://schemas.microsoft.com/office/powerpoint/2010/main" val="1174884437"/>
       </p:ext>
     </p:extLst>
   </p:cSld>
